--- a/Giới thiệu .pptx
+++ b/Giới thiệu .pptx
@@ -9,19 +9,26 @@
     <p:sldId id="267" r:id="rId3"/>
     <p:sldId id="268" r:id="rId4"/>
     <p:sldId id="269" r:id="rId5"/>
-    <p:sldId id="270" r:id="rId6"/>
-    <p:sldId id="271" r:id="rId7"/>
-    <p:sldId id="272" r:id="rId8"/>
-    <p:sldId id="257" r:id="rId9"/>
-    <p:sldId id="258" r:id="rId10"/>
-    <p:sldId id="259" r:id="rId11"/>
-    <p:sldId id="260" r:id="rId12"/>
-    <p:sldId id="261" r:id="rId13"/>
-    <p:sldId id="262" r:id="rId14"/>
-    <p:sldId id="263" r:id="rId15"/>
-    <p:sldId id="264" r:id="rId16"/>
-    <p:sldId id="265" r:id="rId17"/>
-    <p:sldId id="266" r:id="rId18"/>
+    <p:sldId id="273" r:id="rId6"/>
+    <p:sldId id="274" r:id="rId7"/>
+    <p:sldId id="275" r:id="rId8"/>
+    <p:sldId id="276" r:id="rId9"/>
+    <p:sldId id="277" r:id="rId10"/>
+    <p:sldId id="278" r:id="rId11"/>
+    <p:sldId id="279" r:id="rId12"/>
+    <p:sldId id="270" r:id="rId13"/>
+    <p:sldId id="271" r:id="rId14"/>
+    <p:sldId id="272" r:id="rId15"/>
+    <p:sldId id="257" r:id="rId16"/>
+    <p:sldId id="258" r:id="rId17"/>
+    <p:sldId id="259" r:id="rId18"/>
+    <p:sldId id="260" r:id="rId19"/>
+    <p:sldId id="261" r:id="rId20"/>
+    <p:sldId id="262" r:id="rId21"/>
+    <p:sldId id="263" r:id="rId22"/>
+    <p:sldId id="264" r:id="rId23"/>
+    <p:sldId id="265" r:id="rId24"/>
+    <p:sldId id="266" r:id="rId25"/>
   </p:sldIdLst>
   <p:sldSz cx="12192000" cy="6858000"/>
   <p:notesSz cx="6858000" cy="9144000"/>
@@ -3454,13 +3461,7 @@
       </p:grpSpPr>
       <p:sp>
         <p:nvSpPr>
-          <p:cNvPr id="2" name="Title 1">
-            <a:extLst>
-              <a:ext uri="{FF2B5EF4-FFF2-40B4-BE49-F238E27FC236}">
-                <a16:creationId xmlns:a16="http://schemas.microsoft.com/office/drawing/2014/main" id="{C1AB0D24-A175-4D99-90E9-1832C303ED4F}"/>
-              </a:ext>
-            </a:extLst>
-          </p:cNvPr>
+          <p:cNvPr id="2" name="Title 1"/>
           <p:cNvSpPr>
             <a:spLocks noGrp="1"/>
           </p:cNvSpPr>
@@ -3479,13 +3480,7 @@
       </p:sp>
       <p:sp>
         <p:nvSpPr>
-          <p:cNvPr id="3" name="Content Placeholder 2">
-            <a:extLst>
-              <a:ext uri="{FF2B5EF4-FFF2-40B4-BE49-F238E27FC236}">
-                <a16:creationId xmlns:a16="http://schemas.microsoft.com/office/drawing/2014/main" id="{0B5930E3-06A9-4D30-8229-42113899A677}"/>
-              </a:ext>
-            </a:extLst>
-          </p:cNvPr>
+          <p:cNvPr id="3" name="Content Placeholder 2"/>
           <p:cNvSpPr>
             <a:spLocks noGrp="1"/>
           </p:cNvSpPr>
@@ -3505,7 +3500,7 @@
     </p:spTree>
     <p:extLst>
       <p:ext uri="{BB962C8B-B14F-4D97-AF65-F5344CB8AC3E}">
-        <p14:creationId xmlns:p14="http://schemas.microsoft.com/office/powerpoint/2010/main" val="1809273550"/>
+        <p14:creationId xmlns:p14="http://schemas.microsoft.com/office/powerpoint/2010/main" val="658761380"/>
       </p:ext>
     </p:extLst>
   </p:cSld>
@@ -3534,13 +3529,7 @@
       </p:grpSpPr>
       <p:sp>
         <p:nvSpPr>
-          <p:cNvPr id="2" name="Title 1">
-            <a:extLst>
-              <a:ext uri="{FF2B5EF4-FFF2-40B4-BE49-F238E27FC236}">
-                <a16:creationId xmlns:a16="http://schemas.microsoft.com/office/drawing/2014/main" id="{6ECEEA5C-A937-4E6D-B17E-25C087F8B145}"/>
-              </a:ext>
-            </a:extLst>
-          </p:cNvPr>
+          <p:cNvPr id="2" name="Title 1"/>
           <p:cNvSpPr>
             <a:spLocks noGrp="1"/>
           </p:cNvSpPr>
@@ -3559,13 +3548,7 @@
       </p:sp>
       <p:sp>
         <p:nvSpPr>
-          <p:cNvPr id="3" name="Content Placeholder 2">
-            <a:extLst>
-              <a:ext uri="{FF2B5EF4-FFF2-40B4-BE49-F238E27FC236}">
-                <a16:creationId xmlns:a16="http://schemas.microsoft.com/office/drawing/2014/main" id="{1F05CAEC-C989-409F-926F-35E3A363570C}"/>
-              </a:ext>
-            </a:extLst>
-          </p:cNvPr>
+          <p:cNvPr id="3" name="Content Placeholder 2"/>
           <p:cNvSpPr>
             <a:spLocks noGrp="1"/>
           </p:cNvSpPr>
@@ -3585,7 +3568,7 @@
     </p:spTree>
     <p:extLst>
       <p:ext uri="{BB962C8B-B14F-4D97-AF65-F5344CB8AC3E}">
-        <p14:creationId xmlns:p14="http://schemas.microsoft.com/office/powerpoint/2010/main" val="2120092566"/>
+        <p14:creationId xmlns:p14="http://schemas.microsoft.com/office/powerpoint/2010/main" val="1602327642"/>
       </p:ext>
     </p:extLst>
   </p:cSld>
@@ -3617,7 +3600,7 @@
           <p:cNvPr id="2" name="Title 1">
             <a:extLst>
               <a:ext uri="{FF2B5EF4-FFF2-40B4-BE49-F238E27FC236}">
-                <a16:creationId xmlns:a16="http://schemas.microsoft.com/office/drawing/2014/main" id="{BA3436C6-9A4B-4ECC-82E2-C676B16B9125}"/>
+                <a16:creationId xmlns:a16="http://schemas.microsoft.com/office/drawing/2014/main" id="{5D755BF0-8A0A-4049-B279-1A9DE72480E6}"/>
               </a:ext>
             </a:extLst>
           </p:cNvPr>
@@ -3626,627 +3609,12 @@
           </p:cNvSpPr>
           <p:nvPr>
             <p:ph type="title"/>
-          </p:nvPr>
-        </p:nvSpPr>
-        <p:spPr/>
-        <p:txBody>
-          <a:bodyPr/>
-          <a:lstStyle/>
-          <a:p>
-            <a:endParaRPr lang="en-US"/>
-          </a:p>
-        </p:txBody>
-      </p:sp>
-      <p:sp>
-        <p:nvSpPr>
-          <p:cNvPr id="3" name="Content Placeholder 2">
-            <a:extLst>
-              <a:ext uri="{FF2B5EF4-FFF2-40B4-BE49-F238E27FC236}">
-                <a16:creationId xmlns:a16="http://schemas.microsoft.com/office/drawing/2014/main" id="{C02C0E70-87C4-4CA8-A6A9-0F34DE9492DE}"/>
-              </a:ext>
-            </a:extLst>
-          </p:cNvPr>
-          <p:cNvSpPr>
-            <a:spLocks noGrp="1"/>
-          </p:cNvSpPr>
-          <p:nvPr>
-            <p:ph idx="1"/>
-          </p:nvPr>
-        </p:nvSpPr>
-        <p:spPr/>
-        <p:txBody>
-          <a:bodyPr/>
-          <a:lstStyle/>
-          <a:p>
-            <a:endParaRPr lang="en-US"/>
-          </a:p>
-        </p:txBody>
-      </p:sp>
-    </p:spTree>
-    <p:extLst>
-      <p:ext uri="{BB962C8B-B14F-4D97-AF65-F5344CB8AC3E}">
-        <p14:creationId xmlns:p14="http://schemas.microsoft.com/office/powerpoint/2010/main" val="3248439490"/>
-      </p:ext>
-    </p:extLst>
-  </p:cSld>
-  <p:clrMapOvr>
-    <a:masterClrMapping/>
-  </p:clrMapOvr>
-</p:sld>
-</file>
-
-<file path=ppt/slides/slide13.xml><?xml version="1.0" encoding="utf-8"?>
-<p:sld xmlns:a="http://schemas.openxmlformats.org/drawingml/2006/main" xmlns:r="http://schemas.openxmlformats.org/officeDocument/2006/relationships" xmlns:p="http://schemas.openxmlformats.org/presentationml/2006/main">
-  <p:cSld>
-    <p:spTree>
-      <p:nvGrpSpPr>
-        <p:cNvPr id="1" name=""/>
-        <p:cNvGrpSpPr/>
-        <p:nvPr/>
-      </p:nvGrpSpPr>
-      <p:grpSpPr>
-        <a:xfrm>
-          <a:off x="0" y="0"/>
-          <a:ext cx="0" cy="0"/>
-          <a:chOff x="0" y="0"/>
-          <a:chExt cx="0" cy="0"/>
-        </a:xfrm>
-      </p:grpSpPr>
-      <p:sp>
-        <p:nvSpPr>
-          <p:cNvPr id="2" name="Title 1">
-            <a:extLst>
-              <a:ext uri="{FF2B5EF4-FFF2-40B4-BE49-F238E27FC236}">
-                <a16:creationId xmlns:a16="http://schemas.microsoft.com/office/drawing/2014/main" id="{51F3B80C-22DE-48B8-BA7D-7A795029159D}"/>
-              </a:ext>
-            </a:extLst>
-          </p:cNvPr>
-          <p:cNvSpPr>
-            <a:spLocks noGrp="1"/>
-          </p:cNvSpPr>
-          <p:nvPr>
-            <p:ph type="title"/>
-          </p:nvPr>
-        </p:nvSpPr>
-        <p:spPr/>
-        <p:txBody>
-          <a:bodyPr/>
-          <a:lstStyle/>
-          <a:p>
-            <a:endParaRPr lang="en-US"/>
-          </a:p>
-        </p:txBody>
-      </p:sp>
-      <p:sp>
-        <p:nvSpPr>
-          <p:cNvPr id="3" name="Content Placeholder 2">
-            <a:extLst>
-              <a:ext uri="{FF2B5EF4-FFF2-40B4-BE49-F238E27FC236}">
-                <a16:creationId xmlns:a16="http://schemas.microsoft.com/office/drawing/2014/main" id="{486427F4-784D-4603-A559-8567F9CD756B}"/>
-              </a:ext>
-            </a:extLst>
-          </p:cNvPr>
-          <p:cNvSpPr>
-            <a:spLocks noGrp="1"/>
-          </p:cNvSpPr>
-          <p:nvPr>
-            <p:ph idx="1"/>
-          </p:nvPr>
-        </p:nvSpPr>
-        <p:spPr/>
-        <p:txBody>
-          <a:bodyPr/>
-          <a:lstStyle/>
-          <a:p>
-            <a:endParaRPr lang="en-US"/>
-          </a:p>
-        </p:txBody>
-      </p:sp>
-    </p:spTree>
-    <p:extLst>
-      <p:ext uri="{BB962C8B-B14F-4D97-AF65-F5344CB8AC3E}">
-        <p14:creationId xmlns:p14="http://schemas.microsoft.com/office/powerpoint/2010/main" val="3286059477"/>
-      </p:ext>
-    </p:extLst>
-  </p:cSld>
-  <p:clrMapOvr>
-    <a:masterClrMapping/>
-  </p:clrMapOvr>
-</p:sld>
-</file>
-
-<file path=ppt/slides/slide14.xml><?xml version="1.0" encoding="utf-8"?>
-<p:sld xmlns:a="http://schemas.openxmlformats.org/drawingml/2006/main" xmlns:r="http://schemas.openxmlformats.org/officeDocument/2006/relationships" xmlns:p="http://schemas.openxmlformats.org/presentationml/2006/main">
-  <p:cSld>
-    <p:spTree>
-      <p:nvGrpSpPr>
-        <p:cNvPr id="1" name=""/>
-        <p:cNvGrpSpPr/>
-        <p:nvPr/>
-      </p:nvGrpSpPr>
-      <p:grpSpPr>
-        <a:xfrm>
-          <a:off x="0" y="0"/>
-          <a:ext cx="0" cy="0"/>
-          <a:chOff x="0" y="0"/>
-          <a:chExt cx="0" cy="0"/>
-        </a:xfrm>
-      </p:grpSpPr>
-      <p:sp>
-        <p:nvSpPr>
-          <p:cNvPr id="2" name="Title 1">
-            <a:extLst>
-              <a:ext uri="{FF2B5EF4-FFF2-40B4-BE49-F238E27FC236}">
-                <a16:creationId xmlns:a16="http://schemas.microsoft.com/office/drawing/2014/main" id="{59F041E5-B2DB-46E2-84FA-733396956DC5}"/>
-              </a:ext>
-            </a:extLst>
-          </p:cNvPr>
-          <p:cNvSpPr>
-            <a:spLocks noGrp="1"/>
-          </p:cNvSpPr>
-          <p:nvPr>
-            <p:ph type="title"/>
-          </p:nvPr>
-        </p:nvSpPr>
-        <p:spPr/>
-        <p:txBody>
-          <a:bodyPr/>
-          <a:lstStyle/>
-          <a:p>
-            <a:endParaRPr lang="en-US"/>
-          </a:p>
-        </p:txBody>
-      </p:sp>
-      <p:sp>
-        <p:nvSpPr>
-          <p:cNvPr id="3" name="Content Placeholder 2">
-            <a:extLst>
-              <a:ext uri="{FF2B5EF4-FFF2-40B4-BE49-F238E27FC236}">
-                <a16:creationId xmlns:a16="http://schemas.microsoft.com/office/drawing/2014/main" id="{2811C4CA-A79B-4A04-BAF1-9A94C20E6AB0}"/>
-              </a:ext>
-            </a:extLst>
-          </p:cNvPr>
-          <p:cNvSpPr>
-            <a:spLocks noGrp="1"/>
-          </p:cNvSpPr>
-          <p:nvPr>
-            <p:ph idx="1"/>
-          </p:nvPr>
-        </p:nvSpPr>
-        <p:spPr/>
-        <p:txBody>
-          <a:bodyPr/>
-          <a:lstStyle/>
-          <a:p>
-            <a:endParaRPr lang="en-US"/>
-          </a:p>
-        </p:txBody>
-      </p:sp>
-    </p:spTree>
-    <p:extLst>
-      <p:ext uri="{BB962C8B-B14F-4D97-AF65-F5344CB8AC3E}">
-        <p14:creationId xmlns:p14="http://schemas.microsoft.com/office/powerpoint/2010/main" val="2200906561"/>
-      </p:ext>
-    </p:extLst>
-  </p:cSld>
-  <p:clrMapOvr>
-    <a:masterClrMapping/>
-  </p:clrMapOvr>
-</p:sld>
-</file>
-
-<file path=ppt/slides/slide15.xml><?xml version="1.0" encoding="utf-8"?>
-<p:sld xmlns:a="http://schemas.openxmlformats.org/drawingml/2006/main" xmlns:r="http://schemas.openxmlformats.org/officeDocument/2006/relationships" xmlns:p="http://schemas.openxmlformats.org/presentationml/2006/main">
-  <p:cSld>
-    <p:spTree>
-      <p:nvGrpSpPr>
-        <p:cNvPr id="1" name=""/>
-        <p:cNvGrpSpPr/>
-        <p:nvPr/>
-      </p:nvGrpSpPr>
-      <p:grpSpPr>
-        <a:xfrm>
-          <a:off x="0" y="0"/>
-          <a:ext cx="0" cy="0"/>
-          <a:chOff x="0" y="0"/>
-          <a:chExt cx="0" cy="0"/>
-        </a:xfrm>
-      </p:grpSpPr>
-      <p:sp>
-        <p:nvSpPr>
-          <p:cNvPr id="2" name="Title 1">
-            <a:extLst>
-              <a:ext uri="{FF2B5EF4-FFF2-40B4-BE49-F238E27FC236}">
-                <a16:creationId xmlns:a16="http://schemas.microsoft.com/office/drawing/2014/main" id="{428EE3FA-7586-408A-B91F-B5AC16FCECE0}"/>
-              </a:ext>
-            </a:extLst>
-          </p:cNvPr>
-          <p:cNvSpPr>
-            <a:spLocks noGrp="1"/>
-          </p:cNvSpPr>
-          <p:nvPr>
-            <p:ph type="title"/>
-          </p:nvPr>
-        </p:nvSpPr>
-        <p:spPr/>
-        <p:txBody>
-          <a:bodyPr/>
-          <a:lstStyle/>
-          <a:p>
-            <a:endParaRPr lang="en-US"/>
-          </a:p>
-        </p:txBody>
-      </p:sp>
-      <p:sp>
-        <p:nvSpPr>
-          <p:cNvPr id="3" name="Content Placeholder 2">
-            <a:extLst>
-              <a:ext uri="{FF2B5EF4-FFF2-40B4-BE49-F238E27FC236}">
-                <a16:creationId xmlns:a16="http://schemas.microsoft.com/office/drawing/2014/main" id="{620B7745-B376-4EBD-BD7F-43A1467B51BA}"/>
-              </a:ext>
-            </a:extLst>
-          </p:cNvPr>
-          <p:cNvSpPr>
-            <a:spLocks noGrp="1"/>
-          </p:cNvSpPr>
-          <p:nvPr>
-            <p:ph idx="1"/>
-          </p:nvPr>
-        </p:nvSpPr>
-        <p:spPr/>
-        <p:txBody>
-          <a:bodyPr/>
-          <a:lstStyle/>
-          <a:p>
-            <a:endParaRPr lang="en-US"/>
-          </a:p>
-        </p:txBody>
-      </p:sp>
-    </p:spTree>
-    <p:extLst>
-      <p:ext uri="{BB962C8B-B14F-4D97-AF65-F5344CB8AC3E}">
-        <p14:creationId xmlns:p14="http://schemas.microsoft.com/office/powerpoint/2010/main" val="3103601870"/>
-      </p:ext>
-    </p:extLst>
-  </p:cSld>
-  <p:clrMapOvr>
-    <a:masterClrMapping/>
-  </p:clrMapOvr>
-</p:sld>
-</file>
-
-<file path=ppt/slides/slide16.xml><?xml version="1.0" encoding="utf-8"?>
-<p:sld xmlns:a="http://schemas.openxmlformats.org/drawingml/2006/main" xmlns:r="http://schemas.openxmlformats.org/officeDocument/2006/relationships" xmlns:p="http://schemas.openxmlformats.org/presentationml/2006/main">
-  <p:cSld>
-    <p:spTree>
-      <p:nvGrpSpPr>
-        <p:cNvPr id="1" name=""/>
-        <p:cNvGrpSpPr/>
-        <p:nvPr/>
-      </p:nvGrpSpPr>
-      <p:grpSpPr>
-        <a:xfrm>
-          <a:off x="0" y="0"/>
-          <a:ext cx="0" cy="0"/>
-          <a:chOff x="0" y="0"/>
-          <a:chExt cx="0" cy="0"/>
-        </a:xfrm>
-      </p:grpSpPr>
-      <p:sp>
-        <p:nvSpPr>
-          <p:cNvPr id="2" name="Title 1">
-            <a:extLst>
-              <a:ext uri="{FF2B5EF4-FFF2-40B4-BE49-F238E27FC236}">
-                <a16:creationId xmlns:a16="http://schemas.microsoft.com/office/drawing/2014/main" id="{CC17C675-AFE2-49A3-B02F-78DF822EDF9F}"/>
-              </a:ext>
-            </a:extLst>
-          </p:cNvPr>
-          <p:cNvSpPr>
-            <a:spLocks noGrp="1"/>
-          </p:cNvSpPr>
-          <p:nvPr>
-            <p:ph type="title"/>
-          </p:nvPr>
-        </p:nvSpPr>
-        <p:spPr/>
-        <p:txBody>
-          <a:bodyPr/>
-          <a:lstStyle/>
-          <a:p>
-            <a:endParaRPr lang="en-US"/>
-          </a:p>
-        </p:txBody>
-      </p:sp>
-      <p:sp>
-        <p:nvSpPr>
-          <p:cNvPr id="3" name="Content Placeholder 2">
-            <a:extLst>
-              <a:ext uri="{FF2B5EF4-FFF2-40B4-BE49-F238E27FC236}">
-                <a16:creationId xmlns:a16="http://schemas.microsoft.com/office/drawing/2014/main" id="{CC57E119-0472-4332-BC77-B54DB7B9A487}"/>
-              </a:ext>
-            </a:extLst>
-          </p:cNvPr>
-          <p:cNvSpPr>
-            <a:spLocks noGrp="1"/>
-          </p:cNvSpPr>
-          <p:nvPr>
-            <p:ph idx="1"/>
-          </p:nvPr>
-        </p:nvSpPr>
-        <p:spPr/>
-        <p:txBody>
-          <a:bodyPr/>
-          <a:lstStyle/>
-          <a:p>
-            <a:endParaRPr lang="en-US"/>
-          </a:p>
-        </p:txBody>
-      </p:sp>
-    </p:spTree>
-    <p:extLst>
-      <p:ext uri="{BB962C8B-B14F-4D97-AF65-F5344CB8AC3E}">
-        <p14:creationId xmlns:p14="http://schemas.microsoft.com/office/powerpoint/2010/main" val="4078321568"/>
-      </p:ext>
-    </p:extLst>
-  </p:cSld>
-  <p:clrMapOvr>
-    <a:masterClrMapping/>
-  </p:clrMapOvr>
-</p:sld>
-</file>
-
-<file path=ppt/slides/slide17.xml><?xml version="1.0" encoding="utf-8"?>
-<p:sld xmlns:a="http://schemas.openxmlformats.org/drawingml/2006/main" xmlns:r="http://schemas.openxmlformats.org/officeDocument/2006/relationships" xmlns:p="http://schemas.openxmlformats.org/presentationml/2006/main">
-  <p:cSld>
-    <p:spTree>
-      <p:nvGrpSpPr>
-        <p:cNvPr id="1" name=""/>
-        <p:cNvGrpSpPr/>
-        <p:nvPr/>
-      </p:nvGrpSpPr>
-      <p:grpSpPr>
-        <a:xfrm>
-          <a:off x="0" y="0"/>
-          <a:ext cx="0" cy="0"/>
-          <a:chOff x="0" y="0"/>
-          <a:chExt cx="0" cy="0"/>
-        </a:xfrm>
-      </p:grpSpPr>
-      <p:sp>
-        <p:nvSpPr>
-          <p:cNvPr id="2" name="Title 1">
-            <a:extLst>
-              <a:ext uri="{FF2B5EF4-FFF2-40B4-BE49-F238E27FC236}">
-                <a16:creationId xmlns:a16="http://schemas.microsoft.com/office/drawing/2014/main" id="{004A5034-C282-48D8-B636-71751F1951CC}"/>
-              </a:ext>
-            </a:extLst>
-          </p:cNvPr>
-          <p:cNvSpPr>
-            <a:spLocks noGrp="1"/>
-          </p:cNvSpPr>
-          <p:nvPr>
-            <p:ph type="title"/>
-          </p:nvPr>
-        </p:nvSpPr>
-        <p:spPr/>
-        <p:txBody>
-          <a:bodyPr/>
-          <a:lstStyle/>
-          <a:p>
-            <a:endParaRPr lang="en-US"/>
-          </a:p>
-        </p:txBody>
-      </p:sp>
-      <p:sp>
-        <p:nvSpPr>
-          <p:cNvPr id="3" name="Content Placeholder 2">
-            <a:extLst>
-              <a:ext uri="{FF2B5EF4-FFF2-40B4-BE49-F238E27FC236}">
-                <a16:creationId xmlns:a16="http://schemas.microsoft.com/office/drawing/2014/main" id="{AC1AE0EF-6325-429E-A466-793E544F6AF6}"/>
-              </a:ext>
-            </a:extLst>
-          </p:cNvPr>
-          <p:cNvSpPr>
-            <a:spLocks noGrp="1"/>
-          </p:cNvSpPr>
-          <p:nvPr>
-            <p:ph idx="1"/>
-          </p:nvPr>
-        </p:nvSpPr>
-        <p:spPr/>
-        <p:txBody>
-          <a:bodyPr/>
-          <a:lstStyle/>
-          <a:p>
-            <a:endParaRPr lang="en-US"/>
-          </a:p>
-        </p:txBody>
-      </p:sp>
-    </p:spTree>
-    <p:extLst>
-      <p:ext uri="{BB962C8B-B14F-4D97-AF65-F5344CB8AC3E}">
-        <p14:creationId xmlns:p14="http://schemas.microsoft.com/office/powerpoint/2010/main" val="514082649"/>
-      </p:ext>
-    </p:extLst>
-  </p:cSld>
-  <p:clrMapOvr>
-    <a:masterClrMapping/>
-  </p:clrMapOvr>
-</p:sld>
-</file>
-
-<file path=ppt/slides/slide2.xml><?xml version="1.0" encoding="utf-8"?>
-<p:sld xmlns:a="http://schemas.openxmlformats.org/drawingml/2006/main" xmlns:r="http://schemas.openxmlformats.org/officeDocument/2006/relationships" xmlns:p="http://schemas.openxmlformats.org/presentationml/2006/main">
-  <p:cSld>
-    <p:spTree>
-      <p:nvGrpSpPr>
-        <p:cNvPr id="1" name=""/>
-        <p:cNvGrpSpPr/>
-        <p:nvPr/>
-      </p:nvGrpSpPr>
-      <p:grpSpPr>
-        <a:xfrm>
-          <a:off x="0" y="0"/>
-          <a:ext cx="0" cy="0"/>
-          <a:chOff x="0" y="0"/>
-          <a:chExt cx="0" cy="0"/>
-        </a:xfrm>
-      </p:grpSpPr>
-      <p:sp>
-        <p:nvSpPr>
-          <p:cNvPr id="2" name="Title 1">
-            <a:extLst>
-              <a:ext uri="{FF2B5EF4-FFF2-40B4-BE49-F238E27FC236}">
-                <a16:creationId xmlns:a16="http://schemas.microsoft.com/office/drawing/2014/main" id="{87937A56-9273-4FF7-8FD0-B983BA5D53D4}"/>
-              </a:ext>
-            </a:extLst>
-          </p:cNvPr>
-          <p:cNvSpPr>
-            <a:spLocks noGrp="1"/>
-          </p:cNvSpPr>
-          <p:nvPr>
-            <p:ph type="title"/>
-          </p:nvPr>
-        </p:nvSpPr>
-        <p:spPr/>
-        <p:txBody>
-          <a:bodyPr/>
-          <a:lstStyle/>
-          <a:p>
-            <a:r>
-              <a:rPr lang="en-US"/>
-              <a:t>2) Cách tạo một website với WordPress</a:t>
-            </a:r>
-          </a:p>
-        </p:txBody>
-      </p:sp>
-      <p:sp>
-        <p:nvSpPr>
-          <p:cNvPr id="3" name="Content Placeholder 2">
-            <a:extLst>
-              <a:ext uri="{FF2B5EF4-FFF2-40B4-BE49-F238E27FC236}">
-                <a16:creationId xmlns:a16="http://schemas.microsoft.com/office/drawing/2014/main" id="{B092B863-8A26-4FFA-9FEF-8D58BFC79D63}"/>
-              </a:ext>
-            </a:extLst>
-          </p:cNvPr>
-          <p:cNvSpPr>
-            <a:spLocks noGrp="1"/>
-          </p:cNvSpPr>
-          <p:nvPr>
-            <p:ph idx="1"/>
-          </p:nvPr>
-        </p:nvSpPr>
-        <p:spPr/>
-        <p:txBody>
-          <a:bodyPr/>
-          <a:lstStyle/>
-          <a:p>
-            <a:pPr>
-              <a:buFontTx/>
-              <a:buChar char="-"/>
-            </a:pPr>
-            <a:r>
-              <a:rPr lang="en-US"/>
-              <a:t>Phải có tên miền website riêng.</a:t>
-            </a:r>
-          </a:p>
-          <a:p>
-            <a:pPr>
-              <a:buFontTx/>
-              <a:buChar char="-"/>
-            </a:pPr>
-            <a:endParaRPr lang="en-US"/>
-          </a:p>
-          <a:p>
-            <a:pPr>
-              <a:buFontTx/>
-              <a:buChar char="-"/>
-            </a:pPr>
-            <a:r>
-              <a:rPr lang="en-US"/>
-              <a:t>Cần có một máy chủ Web( Web Hosting).</a:t>
-            </a:r>
-          </a:p>
-        </p:txBody>
-      </p:sp>
-    </p:spTree>
-    <p:extLst>
-      <p:ext uri="{BB962C8B-B14F-4D97-AF65-F5344CB8AC3E}">
-        <p14:creationId xmlns:p14="http://schemas.microsoft.com/office/powerpoint/2010/main" val="1659084912"/>
-      </p:ext>
-    </p:extLst>
-  </p:cSld>
-  <p:clrMapOvr>
-    <a:masterClrMapping/>
-  </p:clrMapOvr>
-</p:sld>
-</file>
-
-<file path=ppt/slides/slide3.xml><?xml version="1.0" encoding="utf-8"?>
-<p:sld xmlns:a="http://schemas.openxmlformats.org/drawingml/2006/main" xmlns:r="http://schemas.openxmlformats.org/officeDocument/2006/relationships" xmlns:p="http://schemas.openxmlformats.org/presentationml/2006/main">
-  <p:cSld>
-    <p:spTree>
-      <p:nvGrpSpPr>
-        <p:cNvPr id="1" name=""/>
-        <p:cNvGrpSpPr/>
-        <p:nvPr/>
-      </p:nvGrpSpPr>
-      <p:grpSpPr>
-        <a:xfrm>
-          <a:off x="0" y="0"/>
-          <a:ext cx="0" cy="0"/>
-          <a:chOff x="0" y="0"/>
-          <a:chExt cx="0" cy="0"/>
-        </a:xfrm>
-      </p:grpSpPr>
-      <p:sp>
-        <p:nvSpPr>
-          <p:cNvPr id="2" name="Title 1">
-            <a:extLst>
-              <a:ext uri="{FF2B5EF4-FFF2-40B4-BE49-F238E27FC236}">
-                <a16:creationId xmlns:a16="http://schemas.microsoft.com/office/drawing/2014/main" id="{C4996485-37C9-4C98-BD83-7416D4C849F5}"/>
-              </a:ext>
-            </a:extLst>
-          </p:cNvPr>
-          <p:cNvSpPr>
-            <a:spLocks noGrp="1"/>
-          </p:cNvSpPr>
-          <p:nvPr>
-            <p:ph type="title"/>
-          </p:nvPr>
-        </p:nvSpPr>
-        <p:spPr/>
-        <p:txBody>
-          <a:bodyPr/>
-          <a:lstStyle/>
-          <a:p>
-            <a:r>
-              <a:rPr lang="en-US"/>
-              <a:t>3) Tạo Local Host cho máy tính của mình:</a:t>
-            </a:r>
-          </a:p>
-        </p:txBody>
-      </p:sp>
-      <p:sp>
-        <p:nvSpPr>
-          <p:cNvPr id="3" name="Content Placeholder 2">
-            <a:extLst>
-              <a:ext uri="{FF2B5EF4-FFF2-40B4-BE49-F238E27FC236}">
-                <a16:creationId xmlns:a16="http://schemas.microsoft.com/office/drawing/2014/main" id="{775E962F-E3CA-4A99-89DD-BDCACFFC8D00}"/>
-              </a:ext>
-            </a:extLst>
-          </p:cNvPr>
-          <p:cNvSpPr>
-            <a:spLocks noGrp="1"/>
-          </p:cNvSpPr>
-          <p:nvPr>
-            <p:ph idx="1"/>
           </p:nvPr>
         </p:nvSpPr>
         <p:spPr>
           <a:xfrm>
-            <a:off x="195309" y="1491448"/>
-            <a:ext cx="11771790" cy="5220069"/>
+            <a:off x="105507" y="0"/>
+            <a:ext cx="11248293" cy="971306"/>
           </a:xfrm>
         </p:spPr>
         <p:txBody>
@@ -4254,343 +3622,96 @@
           <a:lstStyle/>
           <a:p>
             <a:r>
-              <a:rPr lang="en-US"/>
-              <a:t>Mã nguồn WordPress là mã nguồn đ</a:t>
-            </a:r>
-            <a:r>
-              <a:rPr lang="vi-VN"/>
-              <a:t>ư</a:t>
-            </a:r>
-            <a:r>
-              <a:rPr lang="en-US"/>
-              <a:t>ợc viết bằng PHP và MySQL.</a:t>
-            </a:r>
-          </a:p>
-          <a:p>
-            <a:endParaRPr lang="en-US"/>
-          </a:p>
-          <a:p>
-            <a:r>
-              <a:rPr lang="en-US">
-                <a:sym typeface="Wingdings" panose="05000000000000000000" pitchFamily="2" charset="2"/>
-              </a:rPr>
-              <a:t> Mua Host hỗ trợ PHP và MySQL</a:t>
-            </a:r>
-          </a:p>
-          <a:p>
-            <a:endParaRPr lang="en-US">
-              <a:sym typeface="Wingdings" panose="05000000000000000000" pitchFamily="2" charset="2"/>
-            </a:endParaRPr>
-          </a:p>
-          <a:p>
-            <a:r>
-              <a:rPr lang="en-US"/>
-              <a:t> Local Host là phần mềm hỗ trợ tạo máy chủ web trên máy tính của mình, chỉ mình hoặc những người cùng chung mạng nội bộ mới có thể thấy và truy cập đ</a:t>
-            </a:r>
-            <a:r>
-              <a:rPr lang="vi-VN"/>
-              <a:t>ư</a:t>
-            </a:r>
-            <a:r>
-              <a:rPr lang="en-US"/>
-              <a:t>ợc vào trang Web.</a:t>
-            </a:r>
-          </a:p>
-        </p:txBody>
-      </p:sp>
-    </p:spTree>
-    <p:extLst>
-      <p:ext uri="{BB962C8B-B14F-4D97-AF65-F5344CB8AC3E}">
-        <p14:creationId xmlns:p14="http://schemas.microsoft.com/office/powerpoint/2010/main" val="270662027"/>
-      </p:ext>
-    </p:extLst>
-  </p:cSld>
-  <p:clrMapOvr>
-    <a:masterClrMapping/>
-  </p:clrMapOvr>
-</p:sld>
-</file>
-
-<file path=ppt/slides/slide4.xml><?xml version="1.0" encoding="utf-8"?>
-<p:sld xmlns:a="http://schemas.openxmlformats.org/drawingml/2006/main" xmlns:r="http://schemas.openxmlformats.org/officeDocument/2006/relationships" xmlns:p="http://schemas.openxmlformats.org/presentationml/2006/main">
-  <p:cSld>
-    <p:spTree>
-      <p:nvGrpSpPr>
-        <p:cNvPr id="1" name=""/>
-        <p:cNvGrpSpPr/>
-        <p:nvPr/>
-      </p:nvGrpSpPr>
-      <p:grpSpPr>
-        <a:xfrm>
-          <a:off x="0" y="0"/>
-          <a:ext cx="0" cy="0"/>
-          <a:chOff x="0" y="0"/>
-          <a:chExt cx="0" cy="0"/>
-        </a:xfrm>
-      </p:grpSpPr>
-      <p:sp>
-        <p:nvSpPr>
-          <p:cNvPr id="2" name="Title 1">
-            <a:extLst>
-              <a:ext uri="{FF2B5EF4-FFF2-40B4-BE49-F238E27FC236}">
-                <a16:creationId xmlns:a16="http://schemas.microsoft.com/office/drawing/2014/main" id="{8A62529C-28AB-4F68-B82D-B47CC66FC91D}"/>
-              </a:ext>
-            </a:extLst>
-          </p:cNvPr>
-          <p:cNvSpPr>
-            <a:spLocks noGrp="1"/>
-          </p:cNvSpPr>
-          <p:nvPr>
-            <p:ph type="title"/>
+              <a:rPr lang="en-US" dirty="0" smtClean="0"/>
+              <a:t>Thao </a:t>
+            </a:r>
+            <a:r>
+              <a:rPr lang="en-US" dirty="0" err="1" smtClean="0"/>
+              <a:t>tác</a:t>
+            </a:r>
+            <a:r>
+              <a:rPr lang="en-US" dirty="0" smtClean="0"/>
+              <a:t> </a:t>
+            </a:r>
+            <a:r>
+              <a:rPr lang="en-US" dirty="0" err="1" smtClean="0"/>
+              <a:t>cơ</a:t>
+            </a:r>
+            <a:r>
+              <a:rPr lang="en-US" dirty="0" smtClean="0"/>
+              <a:t> </a:t>
+            </a:r>
+            <a:r>
+              <a:rPr lang="en-US" dirty="0" err="1" smtClean="0"/>
+              <a:t>bản</a:t>
+            </a:r>
+            <a:r>
+              <a:rPr lang="en-US" dirty="0" smtClean="0"/>
+              <a:t> </a:t>
+            </a:r>
+            <a:r>
+              <a:rPr lang="en-US" dirty="0" err="1" smtClean="0"/>
+              <a:t>khi</a:t>
+            </a:r>
+            <a:r>
+              <a:rPr lang="en-US" dirty="0" smtClean="0"/>
+              <a:t> </a:t>
+            </a:r>
+            <a:r>
+              <a:rPr lang="en-US" dirty="0" err="1" smtClean="0"/>
+              <a:t>làm</a:t>
+            </a:r>
+            <a:r>
+              <a:rPr lang="en-US" dirty="0" smtClean="0"/>
+              <a:t> </a:t>
+            </a:r>
+            <a:r>
+              <a:rPr lang="en-US" dirty="0" err="1" smtClean="0"/>
+              <a:t>việc</a:t>
+            </a:r>
+            <a:r>
+              <a:rPr lang="en-US" dirty="0" smtClean="0"/>
+              <a:t> </a:t>
+            </a:r>
+            <a:r>
+              <a:rPr lang="en-US" dirty="0" err="1" smtClean="0"/>
+              <a:t>với</a:t>
+            </a:r>
+            <a:r>
+              <a:rPr lang="en-US" dirty="0" smtClean="0"/>
+              <a:t> Local Host.</a:t>
+            </a:r>
+            <a:endParaRPr lang="en-US" dirty="0"/>
+          </a:p>
+        </p:txBody>
+      </p:sp>
+      <p:sp>
+        <p:nvSpPr>
+          <p:cNvPr id="3" name="Content Placeholder 2">
+            <a:extLst>
+              <a:ext uri="{FF2B5EF4-FFF2-40B4-BE49-F238E27FC236}">
+                <a16:creationId xmlns:a16="http://schemas.microsoft.com/office/drawing/2014/main" id="{E9DBB335-92A1-493C-91F8-974DE23F284F}"/>
+              </a:ext>
+            </a:extLst>
+          </p:cNvPr>
+          <p:cNvSpPr>
+            <a:spLocks noGrp="1"/>
+          </p:cNvSpPr>
+          <p:nvPr>
+            <p:ph idx="1"/>
           </p:nvPr>
         </p:nvSpPr>
         <p:spPr>
           <a:xfrm>
-            <a:off x="363984" y="365125"/>
-            <a:ext cx="10989816" cy="1325563"/>
+            <a:off x="105507" y="971306"/>
+            <a:ext cx="11248293" cy="5886694"/>
           </a:xfrm>
         </p:spPr>
         <p:txBody>
           <a:bodyPr/>
           <a:lstStyle/>
           <a:p>
-            <a:r>
-              <a:rPr lang="en-US"/>
-              <a:t>4)Làm việc với Local Host, TẠO csdl</a:t>
-            </a:r>
-          </a:p>
-        </p:txBody>
-      </p:sp>
-      <p:pic>
-        <p:nvPicPr>
-          <p:cNvPr id="4" name="Content Placeholder 3">
-            <a:extLst>
-              <a:ext uri="{FF2B5EF4-FFF2-40B4-BE49-F238E27FC236}">
-                <a16:creationId xmlns:a16="http://schemas.microsoft.com/office/drawing/2014/main" id="{A7C9A929-80BA-4B03-A67D-4DE9A54CB391}"/>
-              </a:ext>
-            </a:extLst>
-          </p:cNvPr>
-          <p:cNvPicPr>
-            <a:picLocks noGrp="1" noChangeAspect="1"/>
-          </p:cNvPicPr>
-          <p:nvPr>
-            <p:ph idx="1"/>
-          </p:nvPr>
-        </p:nvPicPr>
-        <p:blipFill>
-          <a:blip r:embed="rId2"/>
-          <a:stretch>
-            <a:fillRect/>
-          </a:stretch>
-        </p:blipFill>
-        <p:spPr>
-          <a:xfrm>
-            <a:off x="605363" y="1596081"/>
-            <a:ext cx="6382641" cy="4153480"/>
-          </a:xfrm>
-          <a:prstGeom prst="rect">
-            <a:avLst/>
-          </a:prstGeom>
-        </p:spPr>
-      </p:pic>
-      <p:sp>
-        <p:nvSpPr>
-          <p:cNvPr id="5" name="Rectangle 4">
-            <a:extLst>
-              <a:ext uri="{FF2B5EF4-FFF2-40B4-BE49-F238E27FC236}">
-                <a16:creationId xmlns:a16="http://schemas.microsoft.com/office/drawing/2014/main" id="{4C16F65F-21C0-40DD-B909-54ECE242FDCF}"/>
-              </a:ext>
-            </a:extLst>
-          </p:cNvPr>
-          <p:cNvSpPr/>
-          <p:nvPr/>
-        </p:nvSpPr>
-        <p:spPr>
-          <a:xfrm>
-            <a:off x="1127464" y="2459115"/>
-            <a:ext cx="816746" cy="621436"/>
-          </a:xfrm>
-          <a:prstGeom prst="rect">
-            <a:avLst/>
-          </a:prstGeom>
-          <a:noFill/>
-        </p:spPr>
-        <p:style>
-          <a:lnRef idx="2">
-            <a:schemeClr val="accent2">
-              <a:shade val="50000"/>
-            </a:schemeClr>
-          </a:lnRef>
-          <a:fillRef idx="1">
-            <a:schemeClr val="accent2"/>
-          </a:fillRef>
-          <a:effectRef idx="0">
-            <a:schemeClr val="accent2"/>
-          </a:effectRef>
-          <a:fontRef idx="minor">
-            <a:schemeClr val="lt1"/>
-          </a:fontRef>
-        </p:style>
-        <p:txBody>
-          <a:bodyPr rtlCol="0" anchor="ctr"/>
-          <a:lstStyle/>
-          <a:p>
-            <a:pPr algn="ctr"/>
-            <a:endParaRPr lang="en-US"/>
-          </a:p>
-        </p:txBody>
-      </p:sp>
-      <p:cxnSp>
-        <p:nvCxnSpPr>
-          <p:cNvPr id="7" name="Straight Arrow Connector 6">
-            <a:extLst>
-              <a:ext uri="{FF2B5EF4-FFF2-40B4-BE49-F238E27FC236}">
-                <a16:creationId xmlns:a16="http://schemas.microsoft.com/office/drawing/2014/main" id="{852EEC33-F500-4F63-9012-23FB633EF571}"/>
-              </a:ext>
-            </a:extLst>
-          </p:cNvPr>
-          <p:cNvCxnSpPr/>
-          <p:nvPr/>
-        </p:nvCxnSpPr>
-        <p:spPr>
-          <a:xfrm flipV="1">
-            <a:off x="1944210" y="1690688"/>
-            <a:ext cx="6862439" cy="910469"/>
-          </a:xfrm>
-          <a:prstGeom prst="straightConnector1">
-            <a:avLst/>
-          </a:prstGeom>
-          <a:ln>
-            <a:tailEnd type="triangle"/>
-          </a:ln>
-        </p:spPr>
-        <p:style>
-          <a:lnRef idx="1">
-            <a:schemeClr val="accent2"/>
-          </a:lnRef>
-          <a:fillRef idx="0">
-            <a:schemeClr val="accent2"/>
-          </a:fillRef>
-          <a:effectRef idx="0">
-            <a:schemeClr val="accent2"/>
-          </a:effectRef>
-          <a:fontRef idx="minor">
-            <a:schemeClr val="tx1"/>
-          </a:fontRef>
-        </p:style>
-      </p:cxnSp>
-      <p:sp>
-        <p:nvSpPr>
-          <p:cNvPr id="8" name="TextBox 7">
-            <a:extLst>
-              <a:ext uri="{FF2B5EF4-FFF2-40B4-BE49-F238E27FC236}">
-                <a16:creationId xmlns:a16="http://schemas.microsoft.com/office/drawing/2014/main" id="{A9DCBFEA-789E-4273-AAFD-A8BE43B4600F}"/>
-              </a:ext>
-            </a:extLst>
-          </p:cNvPr>
-          <p:cNvSpPr txBox="1"/>
-          <p:nvPr/>
-        </p:nvSpPr>
-        <p:spPr>
-          <a:xfrm>
-            <a:off x="8806649" y="1211294"/>
-            <a:ext cx="3213716" cy="646331"/>
-          </a:xfrm>
-          <a:prstGeom prst="rect">
-            <a:avLst/>
-          </a:prstGeom>
-          <a:noFill/>
-        </p:spPr>
-        <p:txBody>
-          <a:bodyPr wrap="square" rtlCol="0">
-            <a:spAutoFit/>
-          </a:bodyPr>
-          <a:lstStyle/>
-          <a:p>
-            <a:r>
-              <a:rPr lang="en-US"/>
-              <a:t>Khởi động Local Host lên thì 2 phần này phải màu xanh.</a:t>
-            </a:r>
-          </a:p>
-        </p:txBody>
-      </p:sp>
-    </p:spTree>
-    <p:extLst>
-      <p:ext uri="{BB962C8B-B14F-4D97-AF65-F5344CB8AC3E}">
-        <p14:creationId xmlns:p14="http://schemas.microsoft.com/office/powerpoint/2010/main" val="608069296"/>
-      </p:ext>
-    </p:extLst>
-  </p:cSld>
-  <p:clrMapOvr>
-    <a:masterClrMapping/>
-  </p:clrMapOvr>
-</p:sld>
-</file>
-
-<file path=ppt/slides/slide5.xml><?xml version="1.0" encoding="utf-8"?>
-<p:sld xmlns:a="http://schemas.openxmlformats.org/drawingml/2006/main" xmlns:r="http://schemas.openxmlformats.org/officeDocument/2006/relationships" xmlns:p="http://schemas.openxmlformats.org/presentationml/2006/main">
-  <p:cSld>
-    <p:spTree>
-      <p:nvGrpSpPr>
-        <p:cNvPr id="1" name=""/>
-        <p:cNvGrpSpPr/>
-        <p:nvPr/>
-      </p:nvGrpSpPr>
-      <p:grpSpPr>
-        <a:xfrm>
-          <a:off x="0" y="0"/>
-          <a:ext cx="0" cy="0"/>
-          <a:chOff x="0" y="0"/>
-          <a:chExt cx="0" cy="0"/>
-        </a:xfrm>
-      </p:grpSpPr>
-      <p:sp>
-        <p:nvSpPr>
-          <p:cNvPr id="2" name="Title 1">
-            <a:extLst>
-              <a:ext uri="{FF2B5EF4-FFF2-40B4-BE49-F238E27FC236}">
-                <a16:creationId xmlns:a16="http://schemas.microsoft.com/office/drawing/2014/main" id="{5D755BF0-8A0A-4049-B279-1A9DE72480E6}"/>
-              </a:ext>
-            </a:extLst>
-          </p:cNvPr>
-          <p:cNvSpPr>
-            <a:spLocks noGrp="1"/>
-          </p:cNvSpPr>
-          <p:nvPr>
-            <p:ph type="title"/>
-          </p:nvPr>
-        </p:nvSpPr>
-        <p:spPr/>
-        <p:txBody>
-          <a:bodyPr/>
-          <a:lstStyle/>
-          <a:p>
-            <a:endParaRPr lang="en-US"/>
-          </a:p>
-        </p:txBody>
-      </p:sp>
-      <p:sp>
-        <p:nvSpPr>
-          <p:cNvPr id="3" name="Content Placeholder 2">
-            <a:extLst>
-              <a:ext uri="{FF2B5EF4-FFF2-40B4-BE49-F238E27FC236}">
-                <a16:creationId xmlns:a16="http://schemas.microsoft.com/office/drawing/2014/main" id="{E9DBB335-92A1-493C-91F8-974DE23F284F}"/>
-              </a:ext>
-            </a:extLst>
-          </p:cNvPr>
-          <p:cNvSpPr>
-            <a:spLocks noGrp="1"/>
-          </p:cNvSpPr>
-          <p:nvPr>
-            <p:ph idx="1"/>
-          </p:nvPr>
-        </p:nvSpPr>
-        <p:spPr/>
-        <p:txBody>
-          <a:bodyPr/>
-          <a:lstStyle/>
-          <a:p>
-            <a:endParaRPr lang="en-US"/>
+            <a:endParaRPr lang="en-US" dirty="0"/>
           </a:p>
         </p:txBody>
       </p:sp>
@@ -4616,8 +3737,8 @@
         </p:blipFill>
         <p:spPr>
           <a:xfrm>
-            <a:off x="646564" y="365125"/>
-            <a:ext cx="7649643" cy="5668166"/>
+            <a:off x="4844560" y="815917"/>
+            <a:ext cx="7285092" cy="4433091"/>
           </a:xfrm>
           <a:prstGeom prst="rect">
             <a:avLst/>
@@ -4637,7 +3758,7 @@
 </p:sld>
 </file>
 
-<file path=ppt/slides/slide6.xml><?xml version="1.0" encoding="utf-8"?>
+<file path=ppt/slides/slide13.xml><?xml version="1.0" encoding="utf-8"?>
 <p:sld xmlns:a="http://schemas.openxmlformats.org/drawingml/2006/main" xmlns:r="http://schemas.openxmlformats.org/officeDocument/2006/relationships" xmlns:p="http://schemas.openxmlformats.org/presentationml/2006/main">
   <p:cSld>
     <p:spTree>
@@ -4870,6 +3991,2303 @@
 </p:sld>
 </file>
 
+<file path=ppt/slides/slide14.xml><?xml version="1.0" encoding="utf-8"?>
+<p:sld xmlns:a="http://schemas.openxmlformats.org/drawingml/2006/main" xmlns:r="http://schemas.openxmlformats.org/officeDocument/2006/relationships" xmlns:p="http://schemas.openxmlformats.org/presentationml/2006/main">
+  <p:cSld>
+    <p:spTree>
+      <p:nvGrpSpPr>
+        <p:cNvPr id="1" name=""/>
+        <p:cNvGrpSpPr/>
+        <p:nvPr/>
+      </p:nvGrpSpPr>
+      <p:grpSpPr>
+        <a:xfrm>
+          <a:off x="0" y="0"/>
+          <a:ext cx="0" cy="0"/>
+          <a:chOff x="0" y="0"/>
+          <a:chExt cx="0" cy="0"/>
+        </a:xfrm>
+      </p:grpSpPr>
+      <p:sp>
+        <p:nvSpPr>
+          <p:cNvPr id="2" name="Title 1">
+            <a:extLst>
+              <a:ext uri="{FF2B5EF4-FFF2-40B4-BE49-F238E27FC236}">
+                <a16:creationId xmlns:a16="http://schemas.microsoft.com/office/drawing/2014/main" id="{9DE53438-14EC-4B28-9200-C0D222CC472E}"/>
+              </a:ext>
+            </a:extLst>
+          </p:cNvPr>
+          <p:cNvSpPr>
+            <a:spLocks noGrp="1"/>
+          </p:cNvSpPr>
+          <p:nvPr>
+            <p:ph type="title"/>
+          </p:nvPr>
+        </p:nvSpPr>
+        <p:spPr/>
+        <p:txBody>
+          <a:bodyPr/>
+          <a:lstStyle/>
+          <a:p>
+            <a:r>
+              <a:rPr lang="en-US"/>
+              <a:t>THIẾT LẬP CSDL:</a:t>
+            </a:r>
+          </a:p>
+        </p:txBody>
+      </p:sp>
+      <p:sp>
+        <p:nvSpPr>
+          <p:cNvPr id="3" name="Content Placeholder 2">
+            <a:extLst>
+              <a:ext uri="{FF2B5EF4-FFF2-40B4-BE49-F238E27FC236}">
+                <a16:creationId xmlns:a16="http://schemas.microsoft.com/office/drawing/2014/main" id="{E32420E7-9E1F-4428-B719-BC1FAADA39A7}"/>
+              </a:ext>
+            </a:extLst>
+          </p:cNvPr>
+          <p:cNvSpPr>
+            <a:spLocks noGrp="1"/>
+          </p:cNvSpPr>
+          <p:nvPr>
+            <p:ph idx="1"/>
+          </p:nvPr>
+        </p:nvSpPr>
+        <p:spPr/>
+        <p:txBody>
+          <a:bodyPr/>
+          <a:lstStyle/>
+          <a:p>
+            <a:r>
+              <a:rPr lang="en-US"/>
+              <a:t>Dữ liệu cho wenbsit,     chủ yếu l</a:t>
+            </a:r>
+            <a:r>
+              <a:rPr lang="vi-VN"/>
+              <a:t>ư</a:t>
+            </a:r>
+            <a:r>
+              <a:rPr lang="en-US"/>
+              <a:t>u trên csdl</a:t>
+            </a:r>
+          </a:p>
+          <a:p>
+            <a:r>
+              <a:rPr lang="en-US"/>
+              <a:t>Dữ liệu nh</a:t>
+            </a:r>
+            <a:r>
+              <a:rPr lang="vi-VN"/>
+              <a:t>ư</a:t>
+            </a:r>
+            <a:r>
+              <a:rPr lang="en-US"/>
+              <a:t> bài viết, dữ liệu thống kê.</a:t>
+            </a:r>
+          </a:p>
+        </p:txBody>
+      </p:sp>
+    </p:spTree>
+    <p:extLst>
+      <p:ext uri="{BB962C8B-B14F-4D97-AF65-F5344CB8AC3E}">
+        <p14:creationId xmlns:p14="http://schemas.microsoft.com/office/powerpoint/2010/main" val="571476553"/>
+      </p:ext>
+    </p:extLst>
+  </p:cSld>
+  <p:clrMapOvr>
+    <a:masterClrMapping/>
+  </p:clrMapOvr>
+</p:sld>
+</file>
+
+<file path=ppt/slides/slide15.xml><?xml version="1.0" encoding="utf-8"?>
+<p:sld xmlns:a="http://schemas.openxmlformats.org/drawingml/2006/main" xmlns:r="http://schemas.openxmlformats.org/officeDocument/2006/relationships" xmlns:p="http://schemas.openxmlformats.org/presentationml/2006/main">
+  <p:cSld>
+    <p:spTree>
+      <p:nvGrpSpPr>
+        <p:cNvPr id="1" name=""/>
+        <p:cNvGrpSpPr/>
+        <p:nvPr/>
+      </p:nvGrpSpPr>
+      <p:grpSpPr>
+        <a:xfrm>
+          <a:off x="0" y="0"/>
+          <a:ext cx="0" cy="0"/>
+          <a:chOff x="0" y="0"/>
+          <a:chExt cx="0" cy="0"/>
+        </a:xfrm>
+      </p:grpSpPr>
+      <p:sp>
+        <p:nvSpPr>
+          <p:cNvPr id="2" name="Title 1">
+            <a:extLst>
+              <a:ext uri="{FF2B5EF4-FFF2-40B4-BE49-F238E27FC236}">
+                <a16:creationId xmlns:a16="http://schemas.microsoft.com/office/drawing/2014/main" id="{93BC8342-088B-4120-B5D9-B74FDB832009}"/>
+              </a:ext>
+            </a:extLst>
+          </p:cNvPr>
+          <p:cNvSpPr>
+            <a:spLocks noGrp="1"/>
+          </p:cNvSpPr>
+          <p:nvPr>
+            <p:ph type="title"/>
+          </p:nvPr>
+        </p:nvSpPr>
+        <p:spPr/>
+        <p:txBody>
+          <a:bodyPr/>
+          <a:lstStyle/>
+          <a:p>
+            <a:endParaRPr lang="en-US"/>
+          </a:p>
+        </p:txBody>
+      </p:sp>
+      <p:sp>
+        <p:nvSpPr>
+          <p:cNvPr id="3" name="Content Placeholder 2">
+            <a:extLst>
+              <a:ext uri="{FF2B5EF4-FFF2-40B4-BE49-F238E27FC236}">
+                <a16:creationId xmlns:a16="http://schemas.microsoft.com/office/drawing/2014/main" id="{13967F5B-44D1-40F7-9EF9-F39F26F06A64}"/>
+              </a:ext>
+            </a:extLst>
+          </p:cNvPr>
+          <p:cNvSpPr>
+            <a:spLocks noGrp="1"/>
+          </p:cNvSpPr>
+          <p:nvPr>
+            <p:ph idx="1"/>
+          </p:nvPr>
+        </p:nvSpPr>
+        <p:spPr/>
+        <p:txBody>
+          <a:bodyPr/>
+          <a:lstStyle/>
+          <a:p>
+            <a:endParaRPr lang="en-US"/>
+          </a:p>
+        </p:txBody>
+      </p:sp>
+    </p:spTree>
+    <p:extLst>
+      <p:ext uri="{BB962C8B-B14F-4D97-AF65-F5344CB8AC3E}">
+        <p14:creationId xmlns:p14="http://schemas.microsoft.com/office/powerpoint/2010/main" val="3385794344"/>
+      </p:ext>
+    </p:extLst>
+  </p:cSld>
+  <p:clrMapOvr>
+    <a:masterClrMapping/>
+  </p:clrMapOvr>
+</p:sld>
+</file>
+
+<file path=ppt/slides/slide16.xml><?xml version="1.0" encoding="utf-8"?>
+<p:sld xmlns:a="http://schemas.openxmlformats.org/drawingml/2006/main" xmlns:r="http://schemas.openxmlformats.org/officeDocument/2006/relationships" xmlns:p="http://schemas.openxmlformats.org/presentationml/2006/main">
+  <p:cSld>
+    <p:spTree>
+      <p:nvGrpSpPr>
+        <p:cNvPr id="1" name=""/>
+        <p:cNvGrpSpPr/>
+        <p:nvPr/>
+      </p:nvGrpSpPr>
+      <p:grpSpPr>
+        <a:xfrm>
+          <a:off x="0" y="0"/>
+          <a:ext cx="0" cy="0"/>
+          <a:chOff x="0" y="0"/>
+          <a:chExt cx="0" cy="0"/>
+        </a:xfrm>
+      </p:grpSpPr>
+      <p:sp>
+        <p:nvSpPr>
+          <p:cNvPr id="2" name="Title 1">
+            <a:extLst>
+              <a:ext uri="{FF2B5EF4-FFF2-40B4-BE49-F238E27FC236}">
+                <a16:creationId xmlns:a16="http://schemas.microsoft.com/office/drawing/2014/main" id="{1354BC9A-DD5A-4422-9116-80E6769125D8}"/>
+              </a:ext>
+            </a:extLst>
+          </p:cNvPr>
+          <p:cNvSpPr>
+            <a:spLocks noGrp="1"/>
+          </p:cNvSpPr>
+          <p:nvPr>
+            <p:ph type="title"/>
+          </p:nvPr>
+        </p:nvSpPr>
+        <p:spPr/>
+        <p:txBody>
+          <a:bodyPr/>
+          <a:lstStyle/>
+          <a:p>
+            <a:endParaRPr lang="en-US"/>
+          </a:p>
+        </p:txBody>
+      </p:sp>
+      <p:sp>
+        <p:nvSpPr>
+          <p:cNvPr id="3" name="Content Placeholder 2">
+            <a:extLst>
+              <a:ext uri="{FF2B5EF4-FFF2-40B4-BE49-F238E27FC236}">
+                <a16:creationId xmlns:a16="http://schemas.microsoft.com/office/drawing/2014/main" id="{4B1E177B-D780-4316-B27F-CAF928ABA990}"/>
+              </a:ext>
+            </a:extLst>
+          </p:cNvPr>
+          <p:cNvSpPr>
+            <a:spLocks noGrp="1"/>
+          </p:cNvSpPr>
+          <p:nvPr>
+            <p:ph idx="1"/>
+          </p:nvPr>
+        </p:nvSpPr>
+        <p:spPr/>
+        <p:txBody>
+          <a:bodyPr/>
+          <a:lstStyle/>
+          <a:p>
+            <a:endParaRPr lang="en-US"/>
+          </a:p>
+        </p:txBody>
+      </p:sp>
+    </p:spTree>
+    <p:extLst>
+      <p:ext uri="{BB962C8B-B14F-4D97-AF65-F5344CB8AC3E}">
+        <p14:creationId xmlns:p14="http://schemas.microsoft.com/office/powerpoint/2010/main" val="2573245146"/>
+      </p:ext>
+    </p:extLst>
+  </p:cSld>
+  <p:clrMapOvr>
+    <a:masterClrMapping/>
+  </p:clrMapOvr>
+</p:sld>
+</file>
+
+<file path=ppt/slides/slide17.xml><?xml version="1.0" encoding="utf-8"?>
+<p:sld xmlns:a="http://schemas.openxmlformats.org/drawingml/2006/main" xmlns:r="http://schemas.openxmlformats.org/officeDocument/2006/relationships" xmlns:p="http://schemas.openxmlformats.org/presentationml/2006/main">
+  <p:cSld>
+    <p:spTree>
+      <p:nvGrpSpPr>
+        <p:cNvPr id="1" name=""/>
+        <p:cNvGrpSpPr/>
+        <p:nvPr/>
+      </p:nvGrpSpPr>
+      <p:grpSpPr>
+        <a:xfrm>
+          <a:off x="0" y="0"/>
+          <a:ext cx="0" cy="0"/>
+          <a:chOff x="0" y="0"/>
+          <a:chExt cx="0" cy="0"/>
+        </a:xfrm>
+      </p:grpSpPr>
+      <p:sp>
+        <p:nvSpPr>
+          <p:cNvPr id="2" name="Title 1">
+            <a:extLst>
+              <a:ext uri="{FF2B5EF4-FFF2-40B4-BE49-F238E27FC236}">
+                <a16:creationId xmlns:a16="http://schemas.microsoft.com/office/drawing/2014/main" id="{C1AB0D24-A175-4D99-90E9-1832C303ED4F}"/>
+              </a:ext>
+            </a:extLst>
+          </p:cNvPr>
+          <p:cNvSpPr>
+            <a:spLocks noGrp="1"/>
+          </p:cNvSpPr>
+          <p:nvPr>
+            <p:ph type="title"/>
+          </p:nvPr>
+        </p:nvSpPr>
+        <p:spPr/>
+        <p:txBody>
+          <a:bodyPr/>
+          <a:lstStyle/>
+          <a:p>
+            <a:endParaRPr lang="en-US"/>
+          </a:p>
+        </p:txBody>
+      </p:sp>
+      <p:sp>
+        <p:nvSpPr>
+          <p:cNvPr id="3" name="Content Placeholder 2">
+            <a:extLst>
+              <a:ext uri="{FF2B5EF4-FFF2-40B4-BE49-F238E27FC236}">
+                <a16:creationId xmlns:a16="http://schemas.microsoft.com/office/drawing/2014/main" id="{0B5930E3-06A9-4D30-8229-42113899A677}"/>
+              </a:ext>
+            </a:extLst>
+          </p:cNvPr>
+          <p:cNvSpPr>
+            <a:spLocks noGrp="1"/>
+          </p:cNvSpPr>
+          <p:nvPr>
+            <p:ph idx="1"/>
+          </p:nvPr>
+        </p:nvSpPr>
+        <p:spPr/>
+        <p:txBody>
+          <a:bodyPr/>
+          <a:lstStyle/>
+          <a:p>
+            <a:endParaRPr lang="en-US"/>
+          </a:p>
+        </p:txBody>
+      </p:sp>
+    </p:spTree>
+    <p:extLst>
+      <p:ext uri="{BB962C8B-B14F-4D97-AF65-F5344CB8AC3E}">
+        <p14:creationId xmlns:p14="http://schemas.microsoft.com/office/powerpoint/2010/main" val="1809273550"/>
+      </p:ext>
+    </p:extLst>
+  </p:cSld>
+  <p:clrMapOvr>
+    <a:masterClrMapping/>
+  </p:clrMapOvr>
+</p:sld>
+</file>
+
+<file path=ppt/slides/slide18.xml><?xml version="1.0" encoding="utf-8"?>
+<p:sld xmlns:a="http://schemas.openxmlformats.org/drawingml/2006/main" xmlns:r="http://schemas.openxmlformats.org/officeDocument/2006/relationships" xmlns:p="http://schemas.openxmlformats.org/presentationml/2006/main">
+  <p:cSld>
+    <p:spTree>
+      <p:nvGrpSpPr>
+        <p:cNvPr id="1" name=""/>
+        <p:cNvGrpSpPr/>
+        <p:nvPr/>
+      </p:nvGrpSpPr>
+      <p:grpSpPr>
+        <a:xfrm>
+          <a:off x="0" y="0"/>
+          <a:ext cx="0" cy="0"/>
+          <a:chOff x="0" y="0"/>
+          <a:chExt cx="0" cy="0"/>
+        </a:xfrm>
+      </p:grpSpPr>
+      <p:sp>
+        <p:nvSpPr>
+          <p:cNvPr id="2" name="Title 1">
+            <a:extLst>
+              <a:ext uri="{FF2B5EF4-FFF2-40B4-BE49-F238E27FC236}">
+                <a16:creationId xmlns:a16="http://schemas.microsoft.com/office/drawing/2014/main" id="{6ECEEA5C-A937-4E6D-B17E-25C087F8B145}"/>
+              </a:ext>
+            </a:extLst>
+          </p:cNvPr>
+          <p:cNvSpPr>
+            <a:spLocks noGrp="1"/>
+          </p:cNvSpPr>
+          <p:nvPr>
+            <p:ph type="title"/>
+          </p:nvPr>
+        </p:nvSpPr>
+        <p:spPr/>
+        <p:txBody>
+          <a:bodyPr/>
+          <a:lstStyle/>
+          <a:p>
+            <a:endParaRPr lang="en-US"/>
+          </a:p>
+        </p:txBody>
+      </p:sp>
+      <p:sp>
+        <p:nvSpPr>
+          <p:cNvPr id="3" name="Content Placeholder 2">
+            <a:extLst>
+              <a:ext uri="{FF2B5EF4-FFF2-40B4-BE49-F238E27FC236}">
+                <a16:creationId xmlns:a16="http://schemas.microsoft.com/office/drawing/2014/main" id="{1F05CAEC-C989-409F-926F-35E3A363570C}"/>
+              </a:ext>
+            </a:extLst>
+          </p:cNvPr>
+          <p:cNvSpPr>
+            <a:spLocks noGrp="1"/>
+          </p:cNvSpPr>
+          <p:nvPr>
+            <p:ph idx="1"/>
+          </p:nvPr>
+        </p:nvSpPr>
+        <p:spPr/>
+        <p:txBody>
+          <a:bodyPr/>
+          <a:lstStyle/>
+          <a:p>
+            <a:endParaRPr lang="en-US"/>
+          </a:p>
+        </p:txBody>
+      </p:sp>
+    </p:spTree>
+    <p:extLst>
+      <p:ext uri="{BB962C8B-B14F-4D97-AF65-F5344CB8AC3E}">
+        <p14:creationId xmlns:p14="http://schemas.microsoft.com/office/powerpoint/2010/main" val="2120092566"/>
+      </p:ext>
+    </p:extLst>
+  </p:cSld>
+  <p:clrMapOvr>
+    <a:masterClrMapping/>
+  </p:clrMapOvr>
+</p:sld>
+</file>
+
+<file path=ppt/slides/slide19.xml><?xml version="1.0" encoding="utf-8"?>
+<p:sld xmlns:a="http://schemas.openxmlformats.org/drawingml/2006/main" xmlns:r="http://schemas.openxmlformats.org/officeDocument/2006/relationships" xmlns:p="http://schemas.openxmlformats.org/presentationml/2006/main">
+  <p:cSld>
+    <p:spTree>
+      <p:nvGrpSpPr>
+        <p:cNvPr id="1" name=""/>
+        <p:cNvGrpSpPr/>
+        <p:nvPr/>
+      </p:nvGrpSpPr>
+      <p:grpSpPr>
+        <a:xfrm>
+          <a:off x="0" y="0"/>
+          <a:ext cx="0" cy="0"/>
+          <a:chOff x="0" y="0"/>
+          <a:chExt cx="0" cy="0"/>
+        </a:xfrm>
+      </p:grpSpPr>
+      <p:sp>
+        <p:nvSpPr>
+          <p:cNvPr id="2" name="Title 1">
+            <a:extLst>
+              <a:ext uri="{FF2B5EF4-FFF2-40B4-BE49-F238E27FC236}">
+                <a16:creationId xmlns:a16="http://schemas.microsoft.com/office/drawing/2014/main" id="{BA3436C6-9A4B-4ECC-82E2-C676B16B9125}"/>
+              </a:ext>
+            </a:extLst>
+          </p:cNvPr>
+          <p:cNvSpPr>
+            <a:spLocks noGrp="1"/>
+          </p:cNvSpPr>
+          <p:nvPr>
+            <p:ph type="title"/>
+          </p:nvPr>
+        </p:nvSpPr>
+        <p:spPr/>
+        <p:txBody>
+          <a:bodyPr/>
+          <a:lstStyle/>
+          <a:p>
+            <a:endParaRPr lang="en-US"/>
+          </a:p>
+        </p:txBody>
+      </p:sp>
+      <p:sp>
+        <p:nvSpPr>
+          <p:cNvPr id="3" name="Content Placeholder 2">
+            <a:extLst>
+              <a:ext uri="{FF2B5EF4-FFF2-40B4-BE49-F238E27FC236}">
+                <a16:creationId xmlns:a16="http://schemas.microsoft.com/office/drawing/2014/main" id="{C02C0E70-87C4-4CA8-A6A9-0F34DE9492DE}"/>
+              </a:ext>
+            </a:extLst>
+          </p:cNvPr>
+          <p:cNvSpPr>
+            <a:spLocks noGrp="1"/>
+          </p:cNvSpPr>
+          <p:nvPr>
+            <p:ph idx="1"/>
+          </p:nvPr>
+        </p:nvSpPr>
+        <p:spPr/>
+        <p:txBody>
+          <a:bodyPr/>
+          <a:lstStyle/>
+          <a:p>
+            <a:endParaRPr lang="en-US"/>
+          </a:p>
+        </p:txBody>
+      </p:sp>
+    </p:spTree>
+    <p:extLst>
+      <p:ext uri="{BB962C8B-B14F-4D97-AF65-F5344CB8AC3E}">
+        <p14:creationId xmlns:p14="http://schemas.microsoft.com/office/powerpoint/2010/main" val="3248439490"/>
+      </p:ext>
+    </p:extLst>
+  </p:cSld>
+  <p:clrMapOvr>
+    <a:masterClrMapping/>
+  </p:clrMapOvr>
+</p:sld>
+</file>
+
+<file path=ppt/slides/slide2.xml><?xml version="1.0" encoding="utf-8"?>
+<p:sld xmlns:a="http://schemas.openxmlformats.org/drawingml/2006/main" xmlns:r="http://schemas.openxmlformats.org/officeDocument/2006/relationships" xmlns:p="http://schemas.openxmlformats.org/presentationml/2006/main">
+  <p:cSld>
+    <p:spTree>
+      <p:nvGrpSpPr>
+        <p:cNvPr id="1" name=""/>
+        <p:cNvGrpSpPr/>
+        <p:nvPr/>
+      </p:nvGrpSpPr>
+      <p:grpSpPr>
+        <a:xfrm>
+          <a:off x="0" y="0"/>
+          <a:ext cx="0" cy="0"/>
+          <a:chOff x="0" y="0"/>
+          <a:chExt cx="0" cy="0"/>
+        </a:xfrm>
+      </p:grpSpPr>
+      <p:sp>
+        <p:nvSpPr>
+          <p:cNvPr id="2" name="Title 1">
+            <a:extLst>
+              <a:ext uri="{FF2B5EF4-FFF2-40B4-BE49-F238E27FC236}">
+                <a16:creationId xmlns:a16="http://schemas.microsoft.com/office/drawing/2014/main" id="{87937A56-9273-4FF7-8FD0-B983BA5D53D4}"/>
+              </a:ext>
+            </a:extLst>
+          </p:cNvPr>
+          <p:cNvSpPr>
+            <a:spLocks noGrp="1"/>
+          </p:cNvSpPr>
+          <p:nvPr>
+            <p:ph type="title"/>
+          </p:nvPr>
+        </p:nvSpPr>
+        <p:spPr/>
+        <p:txBody>
+          <a:bodyPr/>
+          <a:lstStyle/>
+          <a:p>
+            <a:r>
+              <a:rPr lang="en-US"/>
+              <a:t>2) Cách tạo một website với WordPress</a:t>
+            </a:r>
+          </a:p>
+        </p:txBody>
+      </p:sp>
+      <p:sp>
+        <p:nvSpPr>
+          <p:cNvPr id="3" name="Content Placeholder 2">
+            <a:extLst>
+              <a:ext uri="{FF2B5EF4-FFF2-40B4-BE49-F238E27FC236}">
+                <a16:creationId xmlns:a16="http://schemas.microsoft.com/office/drawing/2014/main" id="{B092B863-8A26-4FFA-9FEF-8D58BFC79D63}"/>
+              </a:ext>
+            </a:extLst>
+          </p:cNvPr>
+          <p:cNvSpPr>
+            <a:spLocks noGrp="1"/>
+          </p:cNvSpPr>
+          <p:nvPr>
+            <p:ph idx="1"/>
+          </p:nvPr>
+        </p:nvSpPr>
+        <p:spPr/>
+        <p:txBody>
+          <a:bodyPr/>
+          <a:lstStyle/>
+          <a:p>
+            <a:pPr>
+              <a:buFontTx/>
+              <a:buChar char="-"/>
+            </a:pPr>
+            <a:r>
+              <a:rPr lang="en-US"/>
+              <a:t>Phải có tên miền website riêng.</a:t>
+            </a:r>
+          </a:p>
+          <a:p>
+            <a:pPr>
+              <a:buFontTx/>
+              <a:buChar char="-"/>
+            </a:pPr>
+            <a:endParaRPr lang="en-US"/>
+          </a:p>
+          <a:p>
+            <a:pPr>
+              <a:buFontTx/>
+              <a:buChar char="-"/>
+            </a:pPr>
+            <a:r>
+              <a:rPr lang="en-US"/>
+              <a:t>Cần có một máy chủ Web( Web Hosting).</a:t>
+            </a:r>
+          </a:p>
+        </p:txBody>
+      </p:sp>
+    </p:spTree>
+    <p:extLst>
+      <p:ext uri="{BB962C8B-B14F-4D97-AF65-F5344CB8AC3E}">
+        <p14:creationId xmlns:p14="http://schemas.microsoft.com/office/powerpoint/2010/main" val="1659084912"/>
+      </p:ext>
+    </p:extLst>
+  </p:cSld>
+  <p:clrMapOvr>
+    <a:masterClrMapping/>
+  </p:clrMapOvr>
+</p:sld>
+</file>
+
+<file path=ppt/slides/slide20.xml><?xml version="1.0" encoding="utf-8"?>
+<p:sld xmlns:a="http://schemas.openxmlformats.org/drawingml/2006/main" xmlns:r="http://schemas.openxmlformats.org/officeDocument/2006/relationships" xmlns:p="http://schemas.openxmlformats.org/presentationml/2006/main">
+  <p:cSld>
+    <p:spTree>
+      <p:nvGrpSpPr>
+        <p:cNvPr id="1" name=""/>
+        <p:cNvGrpSpPr/>
+        <p:nvPr/>
+      </p:nvGrpSpPr>
+      <p:grpSpPr>
+        <a:xfrm>
+          <a:off x="0" y="0"/>
+          <a:ext cx="0" cy="0"/>
+          <a:chOff x="0" y="0"/>
+          <a:chExt cx="0" cy="0"/>
+        </a:xfrm>
+      </p:grpSpPr>
+      <p:sp>
+        <p:nvSpPr>
+          <p:cNvPr id="2" name="Title 1">
+            <a:extLst>
+              <a:ext uri="{FF2B5EF4-FFF2-40B4-BE49-F238E27FC236}">
+                <a16:creationId xmlns:a16="http://schemas.microsoft.com/office/drawing/2014/main" id="{51F3B80C-22DE-48B8-BA7D-7A795029159D}"/>
+              </a:ext>
+            </a:extLst>
+          </p:cNvPr>
+          <p:cNvSpPr>
+            <a:spLocks noGrp="1"/>
+          </p:cNvSpPr>
+          <p:nvPr>
+            <p:ph type="title"/>
+          </p:nvPr>
+        </p:nvSpPr>
+        <p:spPr/>
+        <p:txBody>
+          <a:bodyPr/>
+          <a:lstStyle/>
+          <a:p>
+            <a:endParaRPr lang="en-US"/>
+          </a:p>
+        </p:txBody>
+      </p:sp>
+      <p:sp>
+        <p:nvSpPr>
+          <p:cNvPr id="3" name="Content Placeholder 2">
+            <a:extLst>
+              <a:ext uri="{FF2B5EF4-FFF2-40B4-BE49-F238E27FC236}">
+                <a16:creationId xmlns:a16="http://schemas.microsoft.com/office/drawing/2014/main" id="{486427F4-784D-4603-A559-8567F9CD756B}"/>
+              </a:ext>
+            </a:extLst>
+          </p:cNvPr>
+          <p:cNvSpPr>
+            <a:spLocks noGrp="1"/>
+          </p:cNvSpPr>
+          <p:nvPr>
+            <p:ph idx="1"/>
+          </p:nvPr>
+        </p:nvSpPr>
+        <p:spPr/>
+        <p:txBody>
+          <a:bodyPr/>
+          <a:lstStyle/>
+          <a:p>
+            <a:endParaRPr lang="en-US"/>
+          </a:p>
+        </p:txBody>
+      </p:sp>
+    </p:spTree>
+    <p:extLst>
+      <p:ext uri="{BB962C8B-B14F-4D97-AF65-F5344CB8AC3E}">
+        <p14:creationId xmlns:p14="http://schemas.microsoft.com/office/powerpoint/2010/main" val="3286059477"/>
+      </p:ext>
+    </p:extLst>
+  </p:cSld>
+  <p:clrMapOvr>
+    <a:masterClrMapping/>
+  </p:clrMapOvr>
+</p:sld>
+</file>
+
+<file path=ppt/slides/slide21.xml><?xml version="1.0" encoding="utf-8"?>
+<p:sld xmlns:a="http://schemas.openxmlformats.org/drawingml/2006/main" xmlns:r="http://schemas.openxmlformats.org/officeDocument/2006/relationships" xmlns:p="http://schemas.openxmlformats.org/presentationml/2006/main">
+  <p:cSld>
+    <p:spTree>
+      <p:nvGrpSpPr>
+        <p:cNvPr id="1" name=""/>
+        <p:cNvGrpSpPr/>
+        <p:nvPr/>
+      </p:nvGrpSpPr>
+      <p:grpSpPr>
+        <a:xfrm>
+          <a:off x="0" y="0"/>
+          <a:ext cx="0" cy="0"/>
+          <a:chOff x="0" y="0"/>
+          <a:chExt cx="0" cy="0"/>
+        </a:xfrm>
+      </p:grpSpPr>
+      <p:sp>
+        <p:nvSpPr>
+          <p:cNvPr id="2" name="Title 1">
+            <a:extLst>
+              <a:ext uri="{FF2B5EF4-FFF2-40B4-BE49-F238E27FC236}">
+                <a16:creationId xmlns:a16="http://schemas.microsoft.com/office/drawing/2014/main" id="{59F041E5-B2DB-46E2-84FA-733396956DC5}"/>
+              </a:ext>
+            </a:extLst>
+          </p:cNvPr>
+          <p:cNvSpPr>
+            <a:spLocks noGrp="1"/>
+          </p:cNvSpPr>
+          <p:nvPr>
+            <p:ph type="title"/>
+          </p:nvPr>
+        </p:nvSpPr>
+        <p:spPr/>
+        <p:txBody>
+          <a:bodyPr/>
+          <a:lstStyle/>
+          <a:p>
+            <a:endParaRPr lang="en-US"/>
+          </a:p>
+        </p:txBody>
+      </p:sp>
+      <p:sp>
+        <p:nvSpPr>
+          <p:cNvPr id="3" name="Content Placeholder 2">
+            <a:extLst>
+              <a:ext uri="{FF2B5EF4-FFF2-40B4-BE49-F238E27FC236}">
+                <a16:creationId xmlns:a16="http://schemas.microsoft.com/office/drawing/2014/main" id="{2811C4CA-A79B-4A04-BAF1-9A94C20E6AB0}"/>
+              </a:ext>
+            </a:extLst>
+          </p:cNvPr>
+          <p:cNvSpPr>
+            <a:spLocks noGrp="1"/>
+          </p:cNvSpPr>
+          <p:nvPr>
+            <p:ph idx="1"/>
+          </p:nvPr>
+        </p:nvSpPr>
+        <p:spPr/>
+        <p:txBody>
+          <a:bodyPr/>
+          <a:lstStyle/>
+          <a:p>
+            <a:endParaRPr lang="en-US"/>
+          </a:p>
+        </p:txBody>
+      </p:sp>
+    </p:spTree>
+    <p:extLst>
+      <p:ext uri="{BB962C8B-B14F-4D97-AF65-F5344CB8AC3E}">
+        <p14:creationId xmlns:p14="http://schemas.microsoft.com/office/powerpoint/2010/main" val="2200906561"/>
+      </p:ext>
+    </p:extLst>
+  </p:cSld>
+  <p:clrMapOvr>
+    <a:masterClrMapping/>
+  </p:clrMapOvr>
+</p:sld>
+</file>
+
+<file path=ppt/slides/slide22.xml><?xml version="1.0" encoding="utf-8"?>
+<p:sld xmlns:a="http://schemas.openxmlformats.org/drawingml/2006/main" xmlns:r="http://schemas.openxmlformats.org/officeDocument/2006/relationships" xmlns:p="http://schemas.openxmlformats.org/presentationml/2006/main">
+  <p:cSld>
+    <p:spTree>
+      <p:nvGrpSpPr>
+        <p:cNvPr id="1" name=""/>
+        <p:cNvGrpSpPr/>
+        <p:nvPr/>
+      </p:nvGrpSpPr>
+      <p:grpSpPr>
+        <a:xfrm>
+          <a:off x="0" y="0"/>
+          <a:ext cx="0" cy="0"/>
+          <a:chOff x="0" y="0"/>
+          <a:chExt cx="0" cy="0"/>
+        </a:xfrm>
+      </p:grpSpPr>
+      <p:sp>
+        <p:nvSpPr>
+          <p:cNvPr id="2" name="Title 1">
+            <a:extLst>
+              <a:ext uri="{FF2B5EF4-FFF2-40B4-BE49-F238E27FC236}">
+                <a16:creationId xmlns:a16="http://schemas.microsoft.com/office/drawing/2014/main" id="{428EE3FA-7586-408A-B91F-B5AC16FCECE0}"/>
+              </a:ext>
+            </a:extLst>
+          </p:cNvPr>
+          <p:cNvSpPr>
+            <a:spLocks noGrp="1"/>
+          </p:cNvSpPr>
+          <p:nvPr>
+            <p:ph type="title"/>
+          </p:nvPr>
+        </p:nvSpPr>
+        <p:spPr/>
+        <p:txBody>
+          <a:bodyPr/>
+          <a:lstStyle/>
+          <a:p>
+            <a:endParaRPr lang="en-US"/>
+          </a:p>
+        </p:txBody>
+      </p:sp>
+      <p:sp>
+        <p:nvSpPr>
+          <p:cNvPr id="3" name="Content Placeholder 2">
+            <a:extLst>
+              <a:ext uri="{FF2B5EF4-FFF2-40B4-BE49-F238E27FC236}">
+                <a16:creationId xmlns:a16="http://schemas.microsoft.com/office/drawing/2014/main" id="{620B7745-B376-4EBD-BD7F-43A1467B51BA}"/>
+              </a:ext>
+            </a:extLst>
+          </p:cNvPr>
+          <p:cNvSpPr>
+            <a:spLocks noGrp="1"/>
+          </p:cNvSpPr>
+          <p:nvPr>
+            <p:ph idx="1"/>
+          </p:nvPr>
+        </p:nvSpPr>
+        <p:spPr/>
+        <p:txBody>
+          <a:bodyPr/>
+          <a:lstStyle/>
+          <a:p>
+            <a:endParaRPr lang="en-US"/>
+          </a:p>
+        </p:txBody>
+      </p:sp>
+    </p:spTree>
+    <p:extLst>
+      <p:ext uri="{BB962C8B-B14F-4D97-AF65-F5344CB8AC3E}">
+        <p14:creationId xmlns:p14="http://schemas.microsoft.com/office/powerpoint/2010/main" val="3103601870"/>
+      </p:ext>
+    </p:extLst>
+  </p:cSld>
+  <p:clrMapOvr>
+    <a:masterClrMapping/>
+  </p:clrMapOvr>
+</p:sld>
+</file>
+
+<file path=ppt/slides/slide23.xml><?xml version="1.0" encoding="utf-8"?>
+<p:sld xmlns:a="http://schemas.openxmlformats.org/drawingml/2006/main" xmlns:r="http://schemas.openxmlformats.org/officeDocument/2006/relationships" xmlns:p="http://schemas.openxmlformats.org/presentationml/2006/main">
+  <p:cSld>
+    <p:spTree>
+      <p:nvGrpSpPr>
+        <p:cNvPr id="1" name=""/>
+        <p:cNvGrpSpPr/>
+        <p:nvPr/>
+      </p:nvGrpSpPr>
+      <p:grpSpPr>
+        <a:xfrm>
+          <a:off x="0" y="0"/>
+          <a:ext cx="0" cy="0"/>
+          <a:chOff x="0" y="0"/>
+          <a:chExt cx="0" cy="0"/>
+        </a:xfrm>
+      </p:grpSpPr>
+      <p:sp>
+        <p:nvSpPr>
+          <p:cNvPr id="2" name="Title 1">
+            <a:extLst>
+              <a:ext uri="{FF2B5EF4-FFF2-40B4-BE49-F238E27FC236}">
+                <a16:creationId xmlns:a16="http://schemas.microsoft.com/office/drawing/2014/main" id="{CC17C675-AFE2-49A3-B02F-78DF822EDF9F}"/>
+              </a:ext>
+            </a:extLst>
+          </p:cNvPr>
+          <p:cNvSpPr>
+            <a:spLocks noGrp="1"/>
+          </p:cNvSpPr>
+          <p:nvPr>
+            <p:ph type="title"/>
+          </p:nvPr>
+        </p:nvSpPr>
+        <p:spPr/>
+        <p:txBody>
+          <a:bodyPr/>
+          <a:lstStyle/>
+          <a:p>
+            <a:endParaRPr lang="en-US"/>
+          </a:p>
+        </p:txBody>
+      </p:sp>
+      <p:sp>
+        <p:nvSpPr>
+          <p:cNvPr id="3" name="Content Placeholder 2">
+            <a:extLst>
+              <a:ext uri="{FF2B5EF4-FFF2-40B4-BE49-F238E27FC236}">
+                <a16:creationId xmlns:a16="http://schemas.microsoft.com/office/drawing/2014/main" id="{CC57E119-0472-4332-BC77-B54DB7B9A487}"/>
+              </a:ext>
+            </a:extLst>
+          </p:cNvPr>
+          <p:cNvSpPr>
+            <a:spLocks noGrp="1"/>
+          </p:cNvSpPr>
+          <p:nvPr>
+            <p:ph idx="1"/>
+          </p:nvPr>
+        </p:nvSpPr>
+        <p:spPr/>
+        <p:txBody>
+          <a:bodyPr/>
+          <a:lstStyle/>
+          <a:p>
+            <a:endParaRPr lang="en-US"/>
+          </a:p>
+        </p:txBody>
+      </p:sp>
+    </p:spTree>
+    <p:extLst>
+      <p:ext uri="{BB962C8B-B14F-4D97-AF65-F5344CB8AC3E}">
+        <p14:creationId xmlns:p14="http://schemas.microsoft.com/office/powerpoint/2010/main" val="4078321568"/>
+      </p:ext>
+    </p:extLst>
+  </p:cSld>
+  <p:clrMapOvr>
+    <a:masterClrMapping/>
+  </p:clrMapOvr>
+</p:sld>
+</file>
+
+<file path=ppt/slides/slide24.xml><?xml version="1.0" encoding="utf-8"?>
+<p:sld xmlns:a="http://schemas.openxmlformats.org/drawingml/2006/main" xmlns:r="http://schemas.openxmlformats.org/officeDocument/2006/relationships" xmlns:p="http://schemas.openxmlformats.org/presentationml/2006/main">
+  <p:cSld>
+    <p:spTree>
+      <p:nvGrpSpPr>
+        <p:cNvPr id="1" name=""/>
+        <p:cNvGrpSpPr/>
+        <p:nvPr/>
+      </p:nvGrpSpPr>
+      <p:grpSpPr>
+        <a:xfrm>
+          <a:off x="0" y="0"/>
+          <a:ext cx="0" cy="0"/>
+          <a:chOff x="0" y="0"/>
+          <a:chExt cx="0" cy="0"/>
+        </a:xfrm>
+      </p:grpSpPr>
+      <p:sp>
+        <p:nvSpPr>
+          <p:cNvPr id="2" name="Title 1">
+            <a:extLst>
+              <a:ext uri="{FF2B5EF4-FFF2-40B4-BE49-F238E27FC236}">
+                <a16:creationId xmlns:a16="http://schemas.microsoft.com/office/drawing/2014/main" id="{004A5034-C282-48D8-B636-71751F1951CC}"/>
+              </a:ext>
+            </a:extLst>
+          </p:cNvPr>
+          <p:cNvSpPr>
+            <a:spLocks noGrp="1"/>
+          </p:cNvSpPr>
+          <p:nvPr>
+            <p:ph type="title"/>
+          </p:nvPr>
+        </p:nvSpPr>
+        <p:spPr/>
+        <p:txBody>
+          <a:bodyPr/>
+          <a:lstStyle/>
+          <a:p>
+            <a:endParaRPr lang="en-US"/>
+          </a:p>
+        </p:txBody>
+      </p:sp>
+      <p:sp>
+        <p:nvSpPr>
+          <p:cNvPr id="3" name="Content Placeholder 2">
+            <a:extLst>
+              <a:ext uri="{FF2B5EF4-FFF2-40B4-BE49-F238E27FC236}">
+                <a16:creationId xmlns:a16="http://schemas.microsoft.com/office/drawing/2014/main" id="{AC1AE0EF-6325-429E-A466-793E544F6AF6}"/>
+              </a:ext>
+            </a:extLst>
+          </p:cNvPr>
+          <p:cNvSpPr>
+            <a:spLocks noGrp="1"/>
+          </p:cNvSpPr>
+          <p:nvPr>
+            <p:ph idx="1"/>
+          </p:nvPr>
+        </p:nvSpPr>
+        <p:spPr/>
+        <p:txBody>
+          <a:bodyPr/>
+          <a:lstStyle/>
+          <a:p>
+            <a:endParaRPr lang="en-US"/>
+          </a:p>
+        </p:txBody>
+      </p:sp>
+    </p:spTree>
+    <p:extLst>
+      <p:ext uri="{BB962C8B-B14F-4D97-AF65-F5344CB8AC3E}">
+        <p14:creationId xmlns:p14="http://schemas.microsoft.com/office/powerpoint/2010/main" val="514082649"/>
+      </p:ext>
+    </p:extLst>
+  </p:cSld>
+  <p:clrMapOvr>
+    <a:masterClrMapping/>
+  </p:clrMapOvr>
+</p:sld>
+</file>
+
+<file path=ppt/slides/slide3.xml><?xml version="1.0" encoding="utf-8"?>
+<p:sld xmlns:a="http://schemas.openxmlformats.org/drawingml/2006/main" xmlns:r="http://schemas.openxmlformats.org/officeDocument/2006/relationships" xmlns:p="http://schemas.openxmlformats.org/presentationml/2006/main">
+  <p:cSld>
+    <p:spTree>
+      <p:nvGrpSpPr>
+        <p:cNvPr id="1" name=""/>
+        <p:cNvGrpSpPr/>
+        <p:nvPr/>
+      </p:nvGrpSpPr>
+      <p:grpSpPr>
+        <a:xfrm>
+          <a:off x="0" y="0"/>
+          <a:ext cx="0" cy="0"/>
+          <a:chOff x="0" y="0"/>
+          <a:chExt cx="0" cy="0"/>
+        </a:xfrm>
+      </p:grpSpPr>
+      <p:sp>
+        <p:nvSpPr>
+          <p:cNvPr id="2" name="Title 1">
+            <a:extLst>
+              <a:ext uri="{FF2B5EF4-FFF2-40B4-BE49-F238E27FC236}">
+                <a16:creationId xmlns:a16="http://schemas.microsoft.com/office/drawing/2014/main" id="{C4996485-37C9-4C98-BD83-7416D4C849F5}"/>
+              </a:ext>
+            </a:extLst>
+          </p:cNvPr>
+          <p:cNvSpPr>
+            <a:spLocks noGrp="1"/>
+          </p:cNvSpPr>
+          <p:nvPr>
+            <p:ph type="title"/>
+          </p:nvPr>
+        </p:nvSpPr>
+        <p:spPr/>
+        <p:txBody>
+          <a:bodyPr/>
+          <a:lstStyle/>
+          <a:p>
+            <a:r>
+              <a:rPr lang="en-US" dirty="0"/>
+              <a:t>4</a:t>
+            </a:r>
+            <a:r>
+              <a:rPr lang="en-US" dirty="0" smtClean="0"/>
+              <a:t>) </a:t>
+            </a:r>
+            <a:r>
+              <a:rPr lang="en-US" dirty="0" err="1"/>
+              <a:t>Tạo</a:t>
+            </a:r>
+            <a:r>
+              <a:rPr lang="en-US" dirty="0"/>
+              <a:t> Local Host </a:t>
+            </a:r>
+            <a:r>
+              <a:rPr lang="en-US" dirty="0" err="1"/>
+              <a:t>cho</a:t>
+            </a:r>
+            <a:r>
+              <a:rPr lang="en-US" dirty="0"/>
+              <a:t> </a:t>
+            </a:r>
+            <a:r>
+              <a:rPr lang="en-US" dirty="0" err="1"/>
+              <a:t>máy</a:t>
+            </a:r>
+            <a:r>
+              <a:rPr lang="en-US" dirty="0"/>
+              <a:t> </a:t>
+            </a:r>
+            <a:r>
+              <a:rPr lang="en-US" dirty="0" err="1"/>
+              <a:t>tính</a:t>
+            </a:r>
+            <a:r>
+              <a:rPr lang="en-US" dirty="0"/>
+              <a:t> </a:t>
+            </a:r>
+            <a:r>
+              <a:rPr lang="en-US" dirty="0" err="1"/>
+              <a:t>của</a:t>
+            </a:r>
+            <a:r>
+              <a:rPr lang="en-US" dirty="0"/>
+              <a:t> </a:t>
+            </a:r>
+            <a:r>
+              <a:rPr lang="en-US" dirty="0" err="1"/>
+              <a:t>mình</a:t>
+            </a:r>
+            <a:r>
+              <a:rPr lang="en-US" dirty="0"/>
+              <a:t>:</a:t>
+            </a:r>
+          </a:p>
+        </p:txBody>
+      </p:sp>
+      <p:sp>
+        <p:nvSpPr>
+          <p:cNvPr id="3" name="Content Placeholder 2">
+            <a:extLst>
+              <a:ext uri="{FF2B5EF4-FFF2-40B4-BE49-F238E27FC236}">
+                <a16:creationId xmlns:a16="http://schemas.microsoft.com/office/drawing/2014/main" id="{775E962F-E3CA-4A99-89DD-BDCACFFC8D00}"/>
+              </a:ext>
+            </a:extLst>
+          </p:cNvPr>
+          <p:cNvSpPr>
+            <a:spLocks noGrp="1"/>
+          </p:cNvSpPr>
+          <p:nvPr>
+            <p:ph idx="1"/>
+          </p:nvPr>
+        </p:nvSpPr>
+        <p:spPr>
+          <a:xfrm>
+            <a:off x="195309" y="1491448"/>
+            <a:ext cx="11771790" cy="5220069"/>
+          </a:xfrm>
+        </p:spPr>
+        <p:txBody>
+          <a:bodyPr/>
+          <a:lstStyle/>
+          <a:p>
+            <a:r>
+              <a:rPr lang="en-US"/>
+              <a:t>Mã nguồn WordPress là mã nguồn đ</a:t>
+            </a:r>
+            <a:r>
+              <a:rPr lang="vi-VN"/>
+              <a:t>ư</a:t>
+            </a:r>
+            <a:r>
+              <a:rPr lang="en-US"/>
+              <a:t>ợc viết bằng PHP và MySQL.</a:t>
+            </a:r>
+          </a:p>
+          <a:p>
+            <a:endParaRPr lang="en-US"/>
+          </a:p>
+          <a:p>
+            <a:r>
+              <a:rPr lang="en-US">
+                <a:sym typeface="Wingdings" panose="05000000000000000000" pitchFamily="2" charset="2"/>
+              </a:rPr>
+              <a:t> Mua Host hỗ trợ PHP và MySQL</a:t>
+            </a:r>
+          </a:p>
+          <a:p>
+            <a:endParaRPr lang="en-US">
+              <a:sym typeface="Wingdings" panose="05000000000000000000" pitchFamily="2" charset="2"/>
+            </a:endParaRPr>
+          </a:p>
+          <a:p>
+            <a:r>
+              <a:rPr lang="en-US"/>
+              <a:t> Local Host là phần mềm hỗ trợ tạo máy chủ web trên máy tính của mình, chỉ mình hoặc những người cùng chung mạng nội bộ mới có thể thấy và truy cập đ</a:t>
+            </a:r>
+            <a:r>
+              <a:rPr lang="vi-VN"/>
+              <a:t>ư</a:t>
+            </a:r>
+            <a:r>
+              <a:rPr lang="en-US"/>
+              <a:t>ợc vào trang Web.</a:t>
+            </a:r>
+          </a:p>
+        </p:txBody>
+      </p:sp>
+    </p:spTree>
+    <p:extLst>
+      <p:ext uri="{BB962C8B-B14F-4D97-AF65-F5344CB8AC3E}">
+        <p14:creationId xmlns:p14="http://schemas.microsoft.com/office/powerpoint/2010/main" val="270662027"/>
+      </p:ext>
+    </p:extLst>
+  </p:cSld>
+  <p:clrMapOvr>
+    <a:masterClrMapping/>
+  </p:clrMapOvr>
+</p:sld>
+</file>
+
+<file path=ppt/slides/slide4.xml><?xml version="1.0" encoding="utf-8"?>
+<p:sld xmlns:a="http://schemas.openxmlformats.org/drawingml/2006/main" xmlns:r="http://schemas.openxmlformats.org/officeDocument/2006/relationships" xmlns:p="http://schemas.openxmlformats.org/presentationml/2006/main">
+  <p:cSld>
+    <p:spTree>
+      <p:nvGrpSpPr>
+        <p:cNvPr id="1" name=""/>
+        <p:cNvGrpSpPr/>
+        <p:nvPr/>
+      </p:nvGrpSpPr>
+      <p:grpSpPr>
+        <a:xfrm>
+          <a:off x="0" y="0"/>
+          <a:ext cx="0" cy="0"/>
+          <a:chOff x="0" y="0"/>
+          <a:chExt cx="0" cy="0"/>
+        </a:xfrm>
+      </p:grpSpPr>
+      <p:sp>
+        <p:nvSpPr>
+          <p:cNvPr id="2" name="Title 1">
+            <a:extLst>
+              <a:ext uri="{FF2B5EF4-FFF2-40B4-BE49-F238E27FC236}">
+                <a16:creationId xmlns:a16="http://schemas.microsoft.com/office/drawing/2014/main" id="{8A62529C-28AB-4F68-B82D-B47CC66FC91D}"/>
+              </a:ext>
+            </a:extLst>
+          </p:cNvPr>
+          <p:cNvSpPr>
+            <a:spLocks noGrp="1"/>
+          </p:cNvSpPr>
+          <p:nvPr>
+            <p:ph type="title"/>
+          </p:nvPr>
+        </p:nvSpPr>
+        <p:spPr>
+          <a:xfrm>
+            <a:off x="363984" y="365125"/>
+            <a:ext cx="10989816" cy="1325563"/>
+          </a:xfrm>
+        </p:spPr>
+        <p:txBody>
+          <a:bodyPr/>
+          <a:lstStyle/>
+          <a:p>
+            <a:r>
+              <a:rPr lang="en-US"/>
+              <a:t>4)Làm việc với Local Host, TẠO csdl</a:t>
+            </a:r>
+          </a:p>
+        </p:txBody>
+      </p:sp>
+      <p:pic>
+        <p:nvPicPr>
+          <p:cNvPr id="4" name="Content Placeholder 3">
+            <a:extLst>
+              <a:ext uri="{FF2B5EF4-FFF2-40B4-BE49-F238E27FC236}">
+                <a16:creationId xmlns:a16="http://schemas.microsoft.com/office/drawing/2014/main" id="{A7C9A929-80BA-4B03-A67D-4DE9A54CB391}"/>
+              </a:ext>
+            </a:extLst>
+          </p:cNvPr>
+          <p:cNvPicPr>
+            <a:picLocks noGrp="1" noChangeAspect="1"/>
+          </p:cNvPicPr>
+          <p:nvPr>
+            <p:ph idx="1"/>
+          </p:nvPr>
+        </p:nvPicPr>
+        <p:blipFill>
+          <a:blip r:embed="rId2"/>
+          <a:stretch>
+            <a:fillRect/>
+          </a:stretch>
+        </p:blipFill>
+        <p:spPr>
+          <a:xfrm>
+            <a:off x="605363" y="1596081"/>
+            <a:ext cx="6382641" cy="4153480"/>
+          </a:xfrm>
+          <a:prstGeom prst="rect">
+            <a:avLst/>
+          </a:prstGeom>
+        </p:spPr>
+      </p:pic>
+      <p:sp>
+        <p:nvSpPr>
+          <p:cNvPr id="5" name="Rectangle 4">
+            <a:extLst>
+              <a:ext uri="{FF2B5EF4-FFF2-40B4-BE49-F238E27FC236}">
+                <a16:creationId xmlns:a16="http://schemas.microsoft.com/office/drawing/2014/main" id="{4C16F65F-21C0-40DD-B909-54ECE242FDCF}"/>
+              </a:ext>
+            </a:extLst>
+          </p:cNvPr>
+          <p:cNvSpPr/>
+          <p:nvPr/>
+        </p:nvSpPr>
+        <p:spPr>
+          <a:xfrm>
+            <a:off x="1127464" y="2459115"/>
+            <a:ext cx="816746" cy="621436"/>
+          </a:xfrm>
+          <a:prstGeom prst="rect">
+            <a:avLst/>
+          </a:prstGeom>
+          <a:noFill/>
+        </p:spPr>
+        <p:style>
+          <a:lnRef idx="2">
+            <a:schemeClr val="accent2">
+              <a:shade val="50000"/>
+            </a:schemeClr>
+          </a:lnRef>
+          <a:fillRef idx="1">
+            <a:schemeClr val="accent2"/>
+          </a:fillRef>
+          <a:effectRef idx="0">
+            <a:schemeClr val="accent2"/>
+          </a:effectRef>
+          <a:fontRef idx="minor">
+            <a:schemeClr val="lt1"/>
+          </a:fontRef>
+        </p:style>
+        <p:txBody>
+          <a:bodyPr rtlCol="0" anchor="ctr"/>
+          <a:lstStyle/>
+          <a:p>
+            <a:pPr algn="ctr"/>
+            <a:endParaRPr lang="en-US"/>
+          </a:p>
+        </p:txBody>
+      </p:sp>
+      <p:cxnSp>
+        <p:nvCxnSpPr>
+          <p:cNvPr id="7" name="Straight Arrow Connector 6">
+            <a:extLst>
+              <a:ext uri="{FF2B5EF4-FFF2-40B4-BE49-F238E27FC236}">
+                <a16:creationId xmlns:a16="http://schemas.microsoft.com/office/drawing/2014/main" id="{852EEC33-F500-4F63-9012-23FB633EF571}"/>
+              </a:ext>
+            </a:extLst>
+          </p:cNvPr>
+          <p:cNvCxnSpPr/>
+          <p:nvPr/>
+        </p:nvCxnSpPr>
+        <p:spPr>
+          <a:xfrm flipV="1">
+            <a:off x="1944210" y="1690688"/>
+            <a:ext cx="6862439" cy="910469"/>
+          </a:xfrm>
+          <a:prstGeom prst="straightConnector1">
+            <a:avLst/>
+          </a:prstGeom>
+          <a:ln>
+            <a:tailEnd type="triangle"/>
+          </a:ln>
+        </p:spPr>
+        <p:style>
+          <a:lnRef idx="1">
+            <a:schemeClr val="accent2"/>
+          </a:lnRef>
+          <a:fillRef idx="0">
+            <a:schemeClr val="accent2"/>
+          </a:fillRef>
+          <a:effectRef idx="0">
+            <a:schemeClr val="accent2"/>
+          </a:effectRef>
+          <a:fontRef idx="minor">
+            <a:schemeClr val="tx1"/>
+          </a:fontRef>
+        </p:style>
+      </p:cxnSp>
+      <p:sp>
+        <p:nvSpPr>
+          <p:cNvPr id="8" name="TextBox 7">
+            <a:extLst>
+              <a:ext uri="{FF2B5EF4-FFF2-40B4-BE49-F238E27FC236}">
+                <a16:creationId xmlns:a16="http://schemas.microsoft.com/office/drawing/2014/main" id="{A9DCBFEA-789E-4273-AAFD-A8BE43B4600F}"/>
+              </a:ext>
+            </a:extLst>
+          </p:cNvPr>
+          <p:cNvSpPr txBox="1"/>
+          <p:nvPr/>
+        </p:nvSpPr>
+        <p:spPr>
+          <a:xfrm>
+            <a:off x="8806649" y="1211294"/>
+            <a:ext cx="3213716" cy="923330"/>
+          </a:xfrm>
+          <a:prstGeom prst="rect">
+            <a:avLst/>
+          </a:prstGeom>
+          <a:noFill/>
+        </p:spPr>
+        <p:txBody>
+          <a:bodyPr wrap="square" rtlCol="0">
+            <a:spAutoFit/>
+          </a:bodyPr>
+          <a:lstStyle/>
+          <a:p>
+            <a:r>
+              <a:rPr lang="en-US" dirty="0" err="1"/>
+              <a:t>Khởi</a:t>
+            </a:r>
+            <a:r>
+              <a:rPr lang="en-US" dirty="0"/>
+              <a:t> </a:t>
+            </a:r>
+            <a:r>
+              <a:rPr lang="en-US" dirty="0" err="1"/>
+              <a:t>động</a:t>
+            </a:r>
+            <a:r>
+              <a:rPr lang="en-US" dirty="0"/>
+              <a:t> Local Host </a:t>
+            </a:r>
+            <a:r>
+              <a:rPr lang="en-US" dirty="0" err="1"/>
+              <a:t>lên</a:t>
+            </a:r>
+            <a:r>
+              <a:rPr lang="en-US" dirty="0"/>
+              <a:t> </a:t>
+            </a:r>
+            <a:r>
+              <a:rPr lang="en-US" dirty="0" err="1"/>
+              <a:t>thì</a:t>
+            </a:r>
+            <a:r>
+              <a:rPr lang="en-US" dirty="0"/>
+              <a:t> 2 </a:t>
+            </a:r>
+            <a:r>
+              <a:rPr lang="en-US" dirty="0" err="1"/>
+              <a:t>phần</a:t>
+            </a:r>
+            <a:r>
+              <a:rPr lang="en-US" dirty="0"/>
+              <a:t> </a:t>
+            </a:r>
+            <a:r>
+              <a:rPr lang="en-US" dirty="0" err="1"/>
+              <a:t>này</a:t>
+            </a:r>
+            <a:r>
+              <a:rPr lang="en-US" dirty="0"/>
+              <a:t> </a:t>
+            </a:r>
+            <a:r>
+              <a:rPr lang="en-US" dirty="0" err="1"/>
+              <a:t>phải</a:t>
+            </a:r>
+            <a:r>
+              <a:rPr lang="en-US" dirty="0"/>
+              <a:t> </a:t>
+            </a:r>
+            <a:r>
+              <a:rPr lang="en-US" dirty="0" err="1"/>
+              <a:t>màu</a:t>
+            </a:r>
+            <a:r>
+              <a:rPr lang="en-US" dirty="0"/>
+              <a:t> </a:t>
+            </a:r>
+            <a:r>
+              <a:rPr lang="en-US" dirty="0" err="1" smtClean="0"/>
+              <a:t>xanh</a:t>
+            </a:r>
+            <a:r>
+              <a:rPr lang="en-US" dirty="0"/>
+              <a:t> </a:t>
+            </a:r>
+            <a:r>
+              <a:rPr lang="en-US" dirty="0" err="1" smtClean="0"/>
+              <a:t>để</a:t>
+            </a:r>
+            <a:r>
+              <a:rPr lang="en-US" dirty="0" smtClean="0"/>
+              <a:t> </a:t>
+            </a:r>
+            <a:r>
+              <a:rPr lang="en-US" dirty="0" err="1" smtClean="0"/>
+              <a:t>có</a:t>
+            </a:r>
+            <a:r>
+              <a:rPr lang="en-US" dirty="0" smtClean="0"/>
+              <a:t> </a:t>
+            </a:r>
+            <a:r>
+              <a:rPr lang="en-US" dirty="0" err="1" smtClean="0"/>
+              <a:t>thể</a:t>
+            </a:r>
+            <a:r>
+              <a:rPr lang="en-US" dirty="0" smtClean="0"/>
+              <a:t> </a:t>
+            </a:r>
+            <a:r>
+              <a:rPr lang="en-US" dirty="0" err="1" smtClean="0"/>
+              <a:t>làm</a:t>
+            </a:r>
+            <a:r>
+              <a:rPr lang="en-US" dirty="0" smtClean="0"/>
+              <a:t> </a:t>
+            </a:r>
+            <a:r>
+              <a:rPr lang="en-US" dirty="0" err="1" smtClean="0"/>
+              <a:t>việc</a:t>
+            </a:r>
+            <a:r>
+              <a:rPr lang="en-US" dirty="0" smtClean="0"/>
+              <a:t> </a:t>
+            </a:r>
+            <a:r>
+              <a:rPr lang="en-US" dirty="0" err="1" smtClean="0"/>
+              <a:t>với</a:t>
+            </a:r>
+            <a:r>
+              <a:rPr lang="en-US" dirty="0" smtClean="0"/>
+              <a:t> Local Host.</a:t>
+            </a:r>
+            <a:endParaRPr lang="en-US" dirty="0"/>
+          </a:p>
+        </p:txBody>
+      </p:sp>
+      <p:sp>
+        <p:nvSpPr>
+          <p:cNvPr id="3" name="TextBox 2"/>
+          <p:cNvSpPr txBox="1"/>
+          <p:nvPr/>
+        </p:nvSpPr>
+        <p:spPr>
+          <a:xfrm>
+            <a:off x="7860323" y="2787162"/>
+            <a:ext cx="3701562" cy="369332"/>
+          </a:xfrm>
+          <a:prstGeom prst="rect">
+            <a:avLst/>
+          </a:prstGeom>
+          <a:noFill/>
+        </p:spPr>
+        <p:txBody>
+          <a:bodyPr wrap="square" rtlCol="0">
+            <a:spAutoFit/>
+          </a:bodyPr>
+          <a:lstStyle/>
+          <a:p>
+            <a:r>
+              <a:rPr lang="en-US" dirty="0" smtClean="0"/>
+              <a:t>- Apache: </a:t>
+            </a:r>
+            <a:r>
+              <a:rPr lang="en-US" dirty="0" err="1" smtClean="0"/>
+              <a:t>giao</a:t>
+            </a:r>
+            <a:r>
+              <a:rPr lang="en-US" dirty="0" smtClean="0"/>
+              <a:t> </a:t>
+            </a:r>
+            <a:r>
+              <a:rPr lang="en-US" dirty="0" err="1" smtClean="0"/>
+              <a:t>diện</a:t>
+            </a:r>
+            <a:r>
+              <a:rPr lang="en-US" dirty="0" smtClean="0"/>
+              <a:t> Web.</a:t>
+            </a:r>
+            <a:endParaRPr lang="en-US" dirty="0"/>
+          </a:p>
+        </p:txBody>
+      </p:sp>
+      <p:sp>
+        <p:nvSpPr>
+          <p:cNvPr id="6" name="TextBox 5"/>
+          <p:cNvSpPr txBox="1"/>
+          <p:nvPr/>
+        </p:nvSpPr>
+        <p:spPr>
+          <a:xfrm>
+            <a:off x="7833946" y="3393831"/>
+            <a:ext cx="3974123" cy="369332"/>
+          </a:xfrm>
+          <a:prstGeom prst="rect">
+            <a:avLst/>
+          </a:prstGeom>
+          <a:noFill/>
+        </p:spPr>
+        <p:txBody>
+          <a:bodyPr wrap="square" rtlCol="0">
+            <a:spAutoFit/>
+          </a:bodyPr>
+          <a:lstStyle/>
+          <a:p>
+            <a:r>
+              <a:rPr lang="en-US" dirty="0" smtClean="0"/>
+              <a:t>- MySQL: </a:t>
+            </a:r>
+            <a:r>
+              <a:rPr lang="en-US" dirty="0" err="1" smtClean="0"/>
+              <a:t>máy</a:t>
+            </a:r>
+            <a:r>
+              <a:rPr lang="en-US" dirty="0" smtClean="0"/>
+              <a:t> </a:t>
+            </a:r>
+            <a:r>
+              <a:rPr lang="en-US" dirty="0" err="1" smtClean="0"/>
+              <a:t>chủ</a:t>
+            </a:r>
+            <a:r>
+              <a:rPr lang="en-US" dirty="0" smtClean="0"/>
+              <a:t> </a:t>
+            </a:r>
+            <a:r>
+              <a:rPr lang="en-US" dirty="0" err="1" smtClean="0"/>
+              <a:t>chứa</a:t>
+            </a:r>
+            <a:r>
+              <a:rPr lang="en-US" dirty="0" smtClean="0"/>
+              <a:t> CSDL.</a:t>
+            </a:r>
+            <a:endParaRPr lang="en-US" dirty="0"/>
+          </a:p>
+        </p:txBody>
+      </p:sp>
+    </p:spTree>
+    <p:extLst>
+      <p:ext uri="{BB962C8B-B14F-4D97-AF65-F5344CB8AC3E}">
+        <p14:creationId xmlns:p14="http://schemas.microsoft.com/office/powerpoint/2010/main" val="608069296"/>
+      </p:ext>
+    </p:extLst>
+  </p:cSld>
+  <p:clrMapOvr>
+    <a:masterClrMapping/>
+  </p:clrMapOvr>
+</p:sld>
+</file>
+
+<file path=ppt/slides/slide5.xml><?xml version="1.0" encoding="utf-8"?>
+<p:sld xmlns:a="http://schemas.openxmlformats.org/drawingml/2006/main" xmlns:r="http://schemas.openxmlformats.org/officeDocument/2006/relationships" xmlns:p="http://schemas.openxmlformats.org/presentationml/2006/main">
+  <p:cSld>
+    <p:spTree>
+      <p:nvGrpSpPr>
+        <p:cNvPr id="1" name=""/>
+        <p:cNvGrpSpPr/>
+        <p:nvPr/>
+      </p:nvGrpSpPr>
+      <p:grpSpPr>
+        <a:xfrm>
+          <a:off x="0" y="0"/>
+          <a:ext cx="0" cy="0"/>
+          <a:chOff x="0" y="0"/>
+          <a:chExt cx="0" cy="0"/>
+        </a:xfrm>
+      </p:grpSpPr>
+      <p:sp>
+        <p:nvSpPr>
+          <p:cNvPr id="2" name="Title 1"/>
+          <p:cNvSpPr>
+            <a:spLocks noGrp="1"/>
+          </p:cNvSpPr>
+          <p:nvPr>
+            <p:ph type="title"/>
+          </p:nvPr>
+        </p:nvSpPr>
+        <p:spPr>
+          <a:xfrm>
+            <a:off x="0" y="55587"/>
+            <a:ext cx="11248292" cy="992294"/>
+          </a:xfrm>
+        </p:spPr>
+        <p:txBody>
+          <a:bodyPr/>
+          <a:lstStyle/>
+          <a:p>
+            <a:r>
+              <a:rPr lang="en-US" dirty="0" err="1" smtClean="0"/>
+              <a:t>Đây</a:t>
+            </a:r>
+            <a:r>
+              <a:rPr lang="en-US" dirty="0" smtClean="0"/>
+              <a:t> </a:t>
+            </a:r>
+            <a:r>
+              <a:rPr lang="en-US" dirty="0" err="1" smtClean="0"/>
+              <a:t>là</a:t>
+            </a:r>
+            <a:r>
+              <a:rPr lang="en-US" dirty="0" smtClean="0"/>
+              <a:t> </a:t>
+            </a:r>
+            <a:r>
+              <a:rPr lang="en-US" dirty="0" err="1" smtClean="0"/>
+              <a:t>các</a:t>
+            </a:r>
+            <a:r>
+              <a:rPr lang="en-US" dirty="0" smtClean="0"/>
+              <a:t> </a:t>
+            </a:r>
+            <a:r>
+              <a:rPr lang="en-US" dirty="0" err="1" smtClean="0"/>
+              <a:t>thư</a:t>
+            </a:r>
+            <a:r>
+              <a:rPr lang="en-US" dirty="0" smtClean="0"/>
+              <a:t> </a:t>
+            </a:r>
+            <a:r>
+              <a:rPr lang="en-US" dirty="0" err="1" smtClean="0"/>
+              <a:t>mục</a:t>
+            </a:r>
+            <a:r>
+              <a:rPr lang="en-US" dirty="0" smtClean="0"/>
+              <a:t> </a:t>
+            </a:r>
+            <a:r>
+              <a:rPr lang="en-US" dirty="0" err="1" smtClean="0"/>
+              <a:t>và</a:t>
+            </a:r>
+            <a:r>
+              <a:rPr lang="en-US" dirty="0" smtClean="0"/>
+              <a:t> </a:t>
+            </a:r>
+            <a:r>
+              <a:rPr lang="en-US" dirty="0" err="1" smtClean="0"/>
+              <a:t>các</a:t>
+            </a:r>
+            <a:r>
+              <a:rPr lang="en-US" dirty="0" smtClean="0"/>
+              <a:t> File </a:t>
+            </a:r>
+            <a:r>
+              <a:rPr lang="en-US" dirty="0" err="1" smtClean="0"/>
+              <a:t>của</a:t>
+            </a:r>
+            <a:r>
+              <a:rPr lang="en-US" dirty="0" smtClean="0"/>
+              <a:t> File Local Host.</a:t>
+            </a:r>
+            <a:endParaRPr lang="en-US" dirty="0"/>
+          </a:p>
+        </p:txBody>
+      </p:sp>
+      <p:sp>
+        <p:nvSpPr>
+          <p:cNvPr id="3" name="Content Placeholder 2"/>
+          <p:cNvSpPr>
+            <a:spLocks noGrp="1"/>
+          </p:cNvSpPr>
+          <p:nvPr>
+            <p:ph idx="1"/>
+          </p:nvPr>
+        </p:nvSpPr>
+        <p:spPr/>
+        <p:txBody>
+          <a:bodyPr/>
+          <a:lstStyle/>
+          <a:p>
+            <a:endParaRPr lang="en-US" dirty="0"/>
+          </a:p>
+        </p:txBody>
+      </p:sp>
+      <p:pic>
+        <p:nvPicPr>
+          <p:cNvPr id="4" name="Picture 3"/>
+          <p:cNvPicPr>
+            <a:picLocks noChangeAspect="1"/>
+          </p:cNvPicPr>
+          <p:nvPr/>
+        </p:nvPicPr>
+        <p:blipFill>
+          <a:blip r:embed="rId2"/>
+          <a:stretch>
+            <a:fillRect/>
+          </a:stretch>
+        </p:blipFill>
+        <p:spPr>
+          <a:xfrm>
+            <a:off x="128416" y="1222482"/>
+            <a:ext cx="7697274" cy="4954481"/>
+          </a:xfrm>
+          <a:prstGeom prst="rect">
+            <a:avLst/>
+          </a:prstGeom>
+        </p:spPr>
+      </p:pic>
+      <p:sp>
+        <p:nvSpPr>
+          <p:cNvPr id="5" name="Rectangle 4"/>
+          <p:cNvSpPr/>
+          <p:nvPr/>
+        </p:nvSpPr>
+        <p:spPr>
+          <a:xfrm>
+            <a:off x="1178170" y="1668608"/>
+            <a:ext cx="2919046" cy="351692"/>
+          </a:xfrm>
+          <a:prstGeom prst="rect">
+            <a:avLst/>
+          </a:prstGeom>
+          <a:noFill/>
+        </p:spPr>
+        <p:style>
+          <a:lnRef idx="2">
+            <a:schemeClr val="accent2">
+              <a:shade val="50000"/>
+            </a:schemeClr>
+          </a:lnRef>
+          <a:fillRef idx="1">
+            <a:schemeClr val="accent2"/>
+          </a:fillRef>
+          <a:effectRef idx="0">
+            <a:schemeClr val="accent2"/>
+          </a:effectRef>
+          <a:fontRef idx="minor">
+            <a:schemeClr val="lt1"/>
+          </a:fontRef>
+        </p:style>
+        <p:txBody>
+          <a:bodyPr rtlCol="0" anchor="ctr"/>
+          <a:lstStyle/>
+          <a:p>
+            <a:pPr algn="ctr"/>
+            <a:endParaRPr lang="en-US"/>
+          </a:p>
+        </p:txBody>
+      </p:sp>
+      <p:sp>
+        <p:nvSpPr>
+          <p:cNvPr id="6" name="Rectangle 5"/>
+          <p:cNvSpPr/>
+          <p:nvPr/>
+        </p:nvSpPr>
+        <p:spPr>
+          <a:xfrm>
+            <a:off x="1811215" y="3165231"/>
+            <a:ext cx="888023" cy="175846"/>
+          </a:xfrm>
+          <a:prstGeom prst="rect">
+            <a:avLst/>
+          </a:prstGeom>
+          <a:noFill/>
+        </p:spPr>
+        <p:style>
+          <a:lnRef idx="2">
+            <a:schemeClr val="accent2">
+              <a:shade val="50000"/>
+            </a:schemeClr>
+          </a:lnRef>
+          <a:fillRef idx="1">
+            <a:schemeClr val="accent2"/>
+          </a:fillRef>
+          <a:effectRef idx="0">
+            <a:schemeClr val="accent2"/>
+          </a:effectRef>
+          <a:fontRef idx="minor">
+            <a:schemeClr val="lt1"/>
+          </a:fontRef>
+        </p:style>
+        <p:txBody>
+          <a:bodyPr rtlCol="0" anchor="ctr"/>
+          <a:lstStyle/>
+          <a:p>
+            <a:pPr algn="ctr"/>
+            <a:endParaRPr lang="en-US"/>
+          </a:p>
+        </p:txBody>
+      </p:sp>
+      <p:cxnSp>
+        <p:nvCxnSpPr>
+          <p:cNvPr id="8" name="Straight Arrow Connector 7"/>
+          <p:cNvCxnSpPr/>
+          <p:nvPr/>
+        </p:nvCxnSpPr>
+        <p:spPr>
+          <a:xfrm flipV="1">
+            <a:off x="2716823" y="3182815"/>
+            <a:ext cx="5653454" cy="70339"/>
+          </a:xfrm>
+          <a:prstGeom prst="straightConnector1">
+            <a:avLst/>
+          </a:prstGeom>
+          <a:ln>
+            <a:tailEnd type="triangle"/>
+          </a:ln>
+        </p:spPr>
+        <p:style>
+          <a:lnRef idx="1">
+            <a:schemeClr val="accent2"/>
+          </a:lnRef>
+          <a:fillRef idx="0">
+            <a:schemeClr val="accent2"/>
+          </a:fillRef>
+          <a:effectRef idx="0">
+            <a:schemeClr val="accent2"/>
+          </a:effectRef>
+          <a:fontRef idx="minor">
+            <a:schemeClr val="tx1"/>
+          </a:fontRef>
+        </p:style>
+      </p:cxnSp>
+      <p:sp>
+        <p:nvSpPr>
+          <p:cNvPr id="9" name="TextBox 8"/>
+          <p:cNvSpPr txBox="1"/>
+          <p:nvPr/>
+        </p:nvSpPr>
+        <p:spPr>
+          <a:xfrm>
+            <a:off x="8387862" y="2734408"/>
+            <a:ext cx="3420207" cy="646331"/>
+          </a:xfrm>
+          <a:prstGeom prst="rect">
+            <a:avLst/>
+          </a:prstGeom>
+          <a:noFill/>
+        </p:spPr>
+        <p:txBody>
+          <a:bodyPr wrap="square" rtlCol="0">
+            <a:spAutoFit/>
+          </a:bodyPr>
+          <a:lstStyle/>
+          <a:p>
+            <a:r>
+              <a:rPr lang="en-US" dirty="0" err="1" smtClean="0"/>
+              <a:t>Thư</a:t>
+            </a:r>
+            <a:r>
+              <a:rPr lang="en-US" dirty="0" smtClean="0"/>
+              <a:t> </a:t>
+            </a:r>
+            <a:r>
+              <a:rPr lang="en-US" dirty="0" err="1" smtClean="0"/>
+              <a:t>mục</a:t>
+            </a:r>
+            <a:r>
+              <a:rPr lang="en-US" dirty="0" smtClean="0"/>
+              <a:t> </a:t>
+            </a:r>
+            <a:r>
+              <a:rPr lang="en-US" dirty="0" err="1" smtClean="0"/>
+              <a:t>bạn</a:t>
+            </a:r>
+            <a:r>
+              <a:rPr lang="en-US" dirty="0" smtClean="0"/>
+              <a:t> </a:t>
+            </a:r>
+            <a:r>
+              <a:rPr lang="en-US" dirty="0" err="1" smtClean="0"/>
+              <a:t>muốn</a:t>
+            </a:r>
+            <a:r>
+              <a:rPr lang="en-US" dirty="0" smtClean="0"/>
+              <a:t> </a:t>
+            </a:r>
+            <a:r>
+              <a:rPr lang="en-US" dirty="0" err="1" smtClean="0"/>
+              <a:t>hiển</a:t>
+            </a:r>
+            <a:r>
+              <a:rPr lang="en-US" dirty="0" smtClean="0"/>
+              <a:t> </a:t>
+            </a:r>
+            <a:r>
+              <a:rPr lang="en-US" dirty="0" err="1" smtClean="0"/>
+              <a:t>thị</a:t>
+            </a:r>
+            <a:r>
+              <a:rPr lang="en-US" dirty="0" smtClean="0"/>
+              <a:t> </a:t>
+            </a:r>
+            <a:r>
+              <a:rPr lang="en-US" dirty="0" err="1" smtClean="0"/>
+              <a:t>tất</a:t>
+            </a:r>
+            <a:r>
+              <a:rPr lang="en-US" dirty="0" smtClean="0"/>
+              <a:t> </a:t>
+            </a:r>
+            <a:r>
+              <a:rPr lang="en-US" dirty="0" err="1" smtClean="0"/>
+              <a:t>cả</a:t>
+            </a:r>
+            <a:r>
+              <a:rPr lang="en-US" dirty="0" smtClean="0"/>
+              <a:t> </a:t>
+            </a:r>
+            <a:r>
+              <a:rPr lang="en-US" dirty="0" err="1" smtClean="0"/>
+              <a:t>những</a:t>
+            </a:r>
+            <a:r>
+              <a:rPr lang="en-US" dirty="0" smtClean="0"/>
+              <a:t> </a:t>
+            </a:r>
+            <a:r>
+              <a:rPr lang="en-US" dirty="0" err="1" smtClean="0"/>
+              <a:t>gì</a:t>
+            </a:r>
+            <a:r>
+              <a:rPr lang="en-US" dirty="0" smtClean="0"/>
+              <a:t> </a:t>
+            </a:r>
+            <a:r>
+              <a:rPr lang="en-US" dirty="0" err="1" smtClean="0"/>
+              <a:t>ra</a:t>
+            </a:r>
+            <a:r>
+              <a:rPr lang="en-US" dirty="0" smtClean="0"/>
+              <a:t> </a:t>
+            </a:r>
+            <a:r>
+              <a:rPr lang="en-US" dirty="0" err="1" smtClean="0"/>
+              <a:t>bên</a:t>
+            </a:r>
+            <a:r>
+              <a:rPr lang="en-US" dirty="0" smtClean="0"/>
+              <a:t> </a:t>
+            </a:r>
+            <a:r>
+              <a:rPr lang="en-US" dirty="0" err="1" smtClean="0"/>
+              <a:t>ngoài</a:t>
+            </a:r>
+            <a:r>
+              <a:rPr lang="en-US" dirty="0" smtClean="0"/>
+              <a:t>.</a:t>
+            </a:r>
+            <a:endParaRPr lang="en-US" dirty="0"/>
+          </a:p>
+        </p:txBody>
+      </p:sp>
+      <p:sp>
+        <p:nvSpPr>
+          <p:cNvPr id="10" name="TextBox 9"/>
+          <p:cNvSpPr txBox="1"/>
+          <p:nvPr/>
+        </p:nvSpPr>
+        <p:spPr>
+          <a:xfrm>
+            <a:off x="8443108" y="3829938"/>
+            <a:ext cx="2805184" cy="646331"/>
+          </a:xfrm>
+          <a:prstGeom prst="rect">
+            <a:avLst/>
+          </a:prstGeom>
+          <a:noFill/>
+        </p:spPr>
+        <p:txBody>
+          <a:bodyPr wrap="square" rtlCol="0">
+            <a:spAutoFit/>
+          </a:bodyPr>
+          <a:lstStyle/>
+          <a:p>
+            <a:r>
+              <a:rPr lang="en-US" dirty="0" err="1" smtClean="0"/>
+              <a:t>Muốn</a:t>
+            </a:r>
+            <a:r>
+              <a:rPr lang="en-US" dirty="0" smtClean="0"/>
+              <a:t> </a:t>
+            </a:r>
+            <a:r>
+              <a:rPr lang="en-US" dirty="0" err="1" smtClean="0"/>
+              <a:t>cài</a:t>
+            </a:r>
+            <a:r>
+              <a:rPr lang="en-US" dirty="0" smtClean="0"/>
+              <a:t> Web </a:t>
+            </a:r>
+            <a:r>
+              <a:rPr lang="en-US" dirty="0" err="1" smtClean="0"/>
+              <a:t>thì</a:t>
+            </a:r>
+            <a:r>
+              <a:rPr lang="en-US" dirty="0" smtClean="0"/>
+              <a:t> </a:t>
+            </a:r>
+            <a:r>
+              <a:rPr lang="en-US" dirty="0" err="1" smtClean="0"/>
+              <a:t>phải</a:t>
+            </a:r>
+            <a:r>
+              <a:rPr lang="en-US" dirty="0" smtClean="0"/>
+              <a:t> </a:t>
+            </a:r>
+            <a:r>
+              <a:rPr lang="en-US" dirty="0" err="1" smtClean="0"/>
+              <a:t>cài</a:t>
+            </a:r>
+            <a:r>
+              <a:rPr lang="en-US" dirty="0" smtClean="0"/>
+              <a:t> </a:t>
+            </a:r>
+            <a:r>
+              <a:rPr lang="en-US" dirty="0" err="1" smtClean="0"/>
+              <a:t>vào</a:t>
+            </a:r>
+            <a:r>
+              <a:rPr lang="en-US" dirty="0" smtClean="0"/>
+              <a:t> </a:t>
+            </a:r>
+            <a:r>
+              <a:rPr lang="en-US" dirty="0" err="1" smtClean="0"/>
+              <a:t>thư</a:t>
+            </a:r>
+            <a:r>
+              <a:rPr lang="en-US" dirty="0" smtClean="0"/>
+              <a:t> </a:t>
+            </a:r>
+            <a:r>
+              <a:rPr lang="en-US" dirty="0" err="1" smtClean="0"/>
+              <a:t>mục</a:t>
+            </a:r>
+            <a:r>
+              <a:rPr lang="en-US" dirty="0" smtClean="0"/>
+              <a:t> </a:t>
+            </a:r>
+            <a:r>
+              <a:rPr lang="en-US" dirty="0" err="1" smtClean="0"/>
+              <a:t>htdocs</a:t>
+            </a:r>
+            <a:r>
+              <a:rPr lang="en-US" dirty="0" smtClean="0"/>
+              <a:t> </a:t>
+            </a:r>
+            <a:r>
+              <a:rPr lang="en-US" dirty="0" err="1" smtClean="0"/>
+              <a:t>này</a:t>
+            </a:r>
+            <a:r>
+              <a:rPr lang="en-US" dirty="0" smtClean="0"/>
+              <a:t>.</a:t>
+            </a:r>
+            <a:endParaRPr lang="en-US" dirty="0"/>
+          </a:p>
+        </p:txBody>
+      </p:sp>
+    </p:spTree>
+    <p:extLst>
+      <p:ext uri="{BB962C8B-B14F-4D97-AF65-F5344CB8AC3E}">
+        <p14:creationId xmlns:p14="http://schemas.microsoft.com/office/powerpoint/2010/main" val="1538335895"/>
+      </p:ext>
+    </p:extLst>
+  </p:cSld>
+  <p:clrMapOvr>
+    <a:masterClrMapping/>
+  </p:clrMapOvr>
+</p:sld>
+</file>
+
+<file path=ppt/slides/slide6.xml><?xml version="1.0" encoding="utf-8"?>
+<p:sld xmlns:a="http://schemas.openxmlformats.org/drawingml/2006/main" xmlns:r="http://schemas.openxmlformats.org/officeDocument/2006/relationships" xmlns:p="http://schemas.openxmlformats.org/presentationml/2006/main">
+  <p:cSld>
+    <p:spTree>
+      <p:nvGrpSpPr>
+        <p:cNvPr id="1" name=""/>
+        <p:cNvGrpSpPr/>
+        <p:nvPr/>
+      </p:nvGrpSpPr>
+      <p:grpSpPr>
+        <a:xfrm>
+          <a:off x="0" y="0"/>
+          <a:ext cx="0" cy="0"/>
+          <a:chOff x="0" y="0"/>
+          <a:chExt cx="0" cy="0"/>
+        </a:xfrm>
+      </p:grpSpPr>
+      <p:sp>
+        <p:nvSpPr>
+          <p:cNvPr id="2" name="Title 1"/>
+          <p:cNvSpPr>
+            <a:spLocks noGrp="1"/>
+          </p:cNvSpPr>
+          <p:nvPr>
+            <p:ph type="title"/>
+          </p:nvPr>
+        </p:nvSpPr>
+        <p:spPr>
+          <a:xfrm>
+            <a:off x="114300" y="61547"/>
+            <a:ext cx="11239500" cy="1055076"/>
+          </a:xfrm>
+        </p:spPr>
+        <p:txBody>
+          <a:bodyPr/>
+          <a:lstStyle/>
+          <a:p>
+            <a:r>
+              <a:rPr lang="en-US" dirty="0" smtClean="0"/>
+              <a:t>** </a:t>
+            </a:r>
+            <a:r>
+              <a:rPr lang="en-US" dirty="0" err="1" smtClean="0"/>
+              <a:t>Cách</a:t>
+            </a:r>
+            <a:r>
+              <a:rPr lang="en-US" dirty="0" smtClean="0"/>
+              <a:t> </a:t>
+            </a:r>
+            <a:r>
+              <a:rPr lang="en-US" dirty="0" err="1" smtClean="0"/>
+              <a:t>để</a:t>
+            </a:r>
+            <a:r>
+              <a:rPr lang="en-US" dirty="0" smtClean="0"/>
+              <a:t> </a:t>
+            </a:r>
+            <a:r>
+              <a:rPr lang="en-US" dirty="0" err="1" smtClean="0"/>
+              <a:t>truy</a:t>
+            </a:r>
+            <a:r>
+              <a:rPr lang="en-US" dirty="0" smtClean="0"/>
+              <a:t> </a:t>
+            </a:r>
+            <a:r>
+              <a:rPr lang="en-US" dirty="0" err="1" smtClean="0"/>
+              <a:t>cập</a:t>
+            </a:r>
+            <a:r>
+              <a:rPr lang="en-US" dirty="0" smtClean="0"/>
+              <a:t> </a:t>
+            </a:r>
+            <a:r>
+              <a:rPr lang="en-US" dirty="0" err="1" smtClean="0"/>
+              <a:t>vào</a:t>
+            </a:r>
+            <a:r>
+              <a:rPr lang="en-US" dirty="0" smtClean="0"/>
+              <a:t> </a:t>
+            </a:r>
+            <a:r>
+              <a:rPr lang="en-US" dirty="0" err="1" smtClean="0"/>
+              <a:t>DataBase</a:t>
+            </a:r>
+            <a:r>
+              <a:rPr lang="en-US" dirty="0" smtClean="0"/>
+              <a:t>.</a:t>
+            </a:r>
+            <a:endParaRPr lang="en-US" dirty="0"/>
+          </a:p>
+        </p:txBody>
+      </p:sp>
+      <p:pic>
+        <p:nvPicPr>
+          <p:cNvPr id="4" name="Content Placeholder 3"/>
+          <p:cNvPicPr>
+            <a:picLocks noGrp="1" noChangeAspect="1"/>
+          </p:cNvPicPr>
+          <p:nvPr>
+            <p:ph idx="1"/>
+          </p:nvPr>
+        </p:nvPicPr>
+        <p:blipFill>
+          <a:blip r:embed="rId2"/>
+          <a:stretch>
+            <a:fillRect/>
+          </a:stretch>
+        </p:blipFill>
+        <p:spPr>
+          <a:xfrm>
+            <a:off x="316523" y="1817007"/>
+            <a:ext cx="10477943" cy="4686300"/>
+          </a:xfrm>
+          <a:prstGeom prst="rect">
+            <a:avLst/>
+          </a:prstGeom>
+        </p:spPr>
+      </p:pic>
+      <p:pic>
+        <p:nvPicPr>
+          <p:cNvPr id="5" name="Picture 4"/>
+          <p:cNvPicPr>
+            <a:picLocks noChangeAspect="1"/>
+          </p:cNvPicPr>
+          <p:nvPr/>
+        </p:nvPicPr>
+        <p:blipFill>
+          <a:blip r:embed="rId3"/>
+          <a:stretch>
+            <a:fillRect/>
+          </a:stretch>
+        </p:blipFill>
+        <p:spPr>
+          <a:xfrm>
+            <a:off x="228600" y="761931"/>
+            <a:ext cx="3738464" cy="990738"/>
+          </a:xfrm>
+          <a:prstGeom prst="rect">
+            <a:avLst/>
+          </a:prstGeom>
+        </p:spPr>
+      </p:pic>
+    </p:spTree>
+    <p:extLst>
+      <p:ext uri="{BB962C8B-B14F-4D97-AF65-F5344CB8AC3E}">
+        <p14:creationId xmlns:p14="http://schemas.microsoft.com/office/powerpoint/2010/main" val="2496782960"/>
+      </p:ext>
+    </p:extLst>
+  </p:cSld>
+  <p:clrMapOvr>
+    <a:masterClrMapping/>
+  </p:clrMapOvr>
+</p:sld>
+</file>
+
 <file path=ppt/slides/slide7.xml><?xml version="1.0" encoding="utf-8"?>
 <p:sld xmlns:a="http://schemas.openxmlformats.org/drawingml/2006/main" xmlns:r="http://schemas.openxmlformats.org/officeDocument/2006/relationships" xmlns:p="http://schemas.openxmlformats.org/presentationml/2006/main">
   <p:cSld>
@@ -4889,13 +6307,7 @@
       </p:grpSpPr>
       <p:sp>
         <p:nvSpPr>
-          <p:cNvPr id="2" name="Title 1">
-            <a:extLst>
-              <a:ext uri="{FF2B5EF4-FFF2-40B4-BE49-F238E27FC236}">
-                <a16:creationId xmlns:a16="http://schemas.microsoft.com/office/drawing/2014/main" id="{9DE53438-14EC-4B28-9200-C0D222CC472E}"/>
-              </a:ext>
-            </a:extLst>
-          </p:cNvPr>
+          <p:cNvPr id="2" name="Title 1"/>
           <p:cNvSpPr>
             <a:spLocks noGrp="1"/>
           </p:cNvSpPr>
@@ -4903,27 +6315,47 @@
             <p:ph type="title"/>
           </p:nvPr>
         </p:nvSpPr>
-        <p:spPr/>
-        <p:txBody>
-          <a:bodyPr/>
-          <a:lstStyle/>
-          <a:p>
-            <a:r>
-              <a:rPr lang="en-US"/>
-              <a:t>THIẾT LẬP CSDL:</a:t>
-            </a:r>
-          </a:p>
-        </p:txBody>
-      </p:sp>
-      <p:sp>
-        <p:nvSpPr>
-          <p:cNvPr id="3" name="Content Placeholder 2">
-            <a:extLst>
-              <a:ext uri="{FF2B5EF4-FFF2-40B4-BE49-F238E27FC236}">
-                <a16:creationId xmlns:a16="http://schemas.microsoft.com/office/drawing/2014/main" id="{E32420E7-9E1F-4428-B719-BC1FAADA39A7}"/>
-              </a:ext>
-            </a:extLst>
-          </p:cNvPr>
+        <p:spPr>
+          <a:xfrm>
+            <a:off x="0" y="129397"/>
+            <a:ext cx="11207151" cy="948905"/>
+          </a:xfrm>
+        </p:spPr>
+        <p:txBody>
+          <a:bodyPr/>
+          <a:lstStyle/>
+          <a:p>
+            <a:r>
+              <a:rPr lang="en-US" dirty="0" err="1" smtClean="0"/>
+              <a:t>Cách</a:t>
+            </a:r>
+            <a:r>
+              <a:rPr lang="en-US" dirty="0" smtClean="0"/>
+              <a:t> </a:t>
+            </a:r>
+            <a:r>
+              <a:rPr lang="en-US" dirty="0" err="1" smtClean="0"/>
+              <a:t>tạo</a:t>
+            </a:r>
+            <a:r>
+              <a:rPr lang="en-US" dirty="0" smtClean="0"/>
+              <a:t> </a:t>
+            </a:r>
+            <a:r>
+              <a:rPr lang="en-US" dirty="0" err="1" smtClean="0"/>
+              <a:t>ra</a:t>
+            </a:r>
+            <a:r>
+              <a:rPr lang="en-US" dirty="0" smtClean="0"/>
+              <a:t> CSDL:</a:t>
+            </a:r>
+            <a:endParaRPr lang="en-US" dirty="0"/>
+          </a:p>
+        </p:txBody>
+      </p:sp>
+      <p:sp>
+        <p:nvSpPr>
+          <p:cNvPr id="3" name="Content Placeholder 2"/>
           <p:cNvSpPr>
             <a:spLocks noGrp="1"/>
           </p:cNvSpPr>
@@ -4936,39 +6368,38 @@
           <a:bodyPr/>
           <a:lstStyle/>
           <a:p>
-            <a:r>
-              <a:rPr lang="en-US"/>
-              <a:t>Dữ liệu cho wenbsit,     chủ yếu l</a:t>
-            </a:r>
-            <a:r>
-              <a:rPr lang="vi-VN"/>
-              <a:t>ư</a:t>
-            </a:r>
-            <a:r>
-              <a:rPr lang="en-US"/>
-              <a:t>u trên csdl</a:t>
-            </a:r>
-          </a:p>
-          <a:p>
-            <a:r>
-              <a:rPr lang="en-US"/>
-              <a:t>Dữ liệu nh</a:t>
-            </a:r>
-            <a:r>
-              <a:rPr lang="vi-VN"/>
-              <a:t>ư</a:t>
-            </a:r>
-            <a:r>
-              <a:rPr lang="en-US"/>
-              <a:t> bài viết, dữ liệu thống kê.</a:t>
-            </a:r>
-          </a:p>
-        </p:txBody>
-      </p:sp>
+            <a:endParaRPr lang="en-US"/>
+          </a:p>
+        </p:txBody>
+      </p:sp>
+      <p:pic>
+        <p:nvPicPr>
+          <p:cNvPr id="4" name="Picture 3"/>
+          <p:cNvPicPr>
+            <a:picLocks noChangeAspect="1"/>
+          </p:cNvPicPr>
+          <p:nvPr/>
+        </p:nvPicPr>
+        <p:blipFill>
+          <a:blip r:embed="rId2"/>
+          <a:stretch>
+            <a:fillRect/>
+          </a:stretch>
+        </p:blipFill>
+        <p:spPr>
+          <a:xfrm>
+            <a:off x="363638" y="1533741"/>
+            <a:ext cx="10330961" cy="4935105"/>
+          </a:xfrm>
+          <a:prstGeom prst="rect">
+            <a:avLst/>
+          </a:prstGeom>
+        </p:spPr>
+      </p:pic>
     </p:spTree>
     <p:extLst>
       <p:ext uri="{BB962C8B-B14F-4D97-AF65-F5344CB8AC3E}">
-        <p14:creationId xmlns:p14="http://schemas.microsoft.com/office/powerpoint/2010/main" val="571476553"/>
+        <p14:creationId xmlns:p14="http://schemas.microsoft.com/office/powerpoint/2010/main" val="1648177249"/>
       </p:ext>
     </p:extLst>
   </p:cSld>
@@ -4997,13 +6428,7 @@
       </p:grpSpPr>
       <p:sp>
         <p:nvSpPr>
-          <p:cNvPr id="2" name="Title 1">
-            <a:extLst>
-              <a:ext uri="{FF2B5EF4-FFF2-40B4-BE49-F238E27FC236}">
-                <a16:creationId xmlns:a16="http://schemas.microsoft.com/office/drawing/2014/main" id="{93BC8342-088B-4120-B5D9-B74FDB832009}"/>
-              </a:ext>
-            </a:extLst>
-          </p:cNvPr>
+          <p:cNvPr id="2" name="Title 1"/>
           <p:cNvSpPr>
             <a:spLocks noGrp="1"/>
           </p:cNvSpPr>
@@ -5022,13 +6447,7 @@
       </p:sp>
       <p:sp>
         <p:nvSpPr>
-          <p:cNvPr id="3" name="Content Placeholder 2">
-            <a:extLst>
-              <a:ext uri="{FF2B5EF4-FFF2-40B4-BE49-F238E27FC236}">
-                <a16:creationId xmlns:a16="http://schemas.microsoft.com/office/drawing/2014/main" id="{13967F5B-44D1-40F7-9EF9-F39F26F06A64}"/>
-              </a:ext>
-            </a:extLst>
-          </p:cNvPr>
+          <p:cNvPr id="3" name="Content Placeholder 2"/>
           <p:cNvSpPr>
             <a:spLocks noGrp="1"/>
           </p:cNvSpPr>
@@ -5048,7 +6467,7 @@
     </p:spTree>
     <p:extLst>
       <p:ext uri="{BB962C8B-B14F-4D97-AF65-F5344CB8AC3E}">
-        <p14:creationId xmlns:p14="http://schemas.microsoft.com/office/powerpoint/2010/main" val="3385794344"/>
+        <p14:creationId xmlns:p14="http://schemas.microsoft.com/office/powerpoint/2010/main" val="1865831624"/>
       </p:ext>
     </p:extLst>
   </p:cSld>
@@ -5077,13 +6496,7 @@
       </p:grpSpPr>
       <p:sp>
         <p:nvSpPr>
-          <p:cNvPr id="2" name="Title 1">
-            <a:extLst>
-              <a:ext uri="{FF2B5EF4-FFF2-40B4-BE49-F238E27FC236}">
-                <a16:creationId xmlns:a16="http://schemas.microsoft.com/office/drawing/2014/main" id="{1354BC9A-DD5A-4422-9116-80E6769125D8}"/>
-              </a:ext>
-            </a:extLst>
-          </p:cNvPr>
+          <p:cNvPr id="2" name="Title 1"/>
           <p:cNvSpPr>
             <a:spLocks noGrp="1"/>
           </p:cNvSpPr>
@@ -5102,13 +6515,7 @@
       </p:sp>
       <p:sp>
         <p:nvSpPr>
-          <p:cNvPr id="3" name="Content Placeholder 2">
-            <a:extLst>
-              <a:ext uri="{FF2B5EF4-FFF2-40B4-BE49-F238E27FC236}">
-                <a16:creationId xmlns:a16="http://schemas.microsoft.com/office/drawing/2014/main" id="{4B1E177B-D780-4316-B27F-CAF928ABA990}"/>
-              </a:ext>
-            </a:extLst>
-          </p:cNvPr>
+          <p:cNvPr id="3" name="Content Placeholder 2"/>
           <p:cNvSpPr>
             <a:spLocks noGrp="1"/>
           </p:cNvSpPr>
@@ -5128,7 +6535,7 @@
     </p:spTree>
     <p:extLst>
       <p:ext uri="{BB962C8B-B14F-4D97-AF65-F5344CB8AC3E}">
-        <p14:creationId xmlns:p14="http://schemas.microsoft.com/office/powerpoint/2010/main" val="2573245146"/>
+        <p14:creationId xmlns:p14="http://schemas.microsoft.com/office/powerpoint/2010/main" val="3345012064"/>
       </p:ext>
     </p:extLst>
   </p:cSld>
